--- a/MBJ Coffee Expansion Analysis.pptx
+++ b/MBJ Coffee Expansion Analysis.pptx
@@ -1,16 +1,15 @@
 
 <file path=ppt/presentation.xml><?xml version="1.0" encoding="utf-8"?>
-<p:presentation xmlns:a="http://schemas.openxmlformats.org/drawingml/2006/main" xmlns:r="http://schemas.openxmlformats.org/officeDocument/2006/relationships" xmlns:p="http://schemas.openxmlformats.org/presentationml/2006/main" saveSubsetFonts="1">
+<p:presentation xmlns:a="http://schemas.openxmlformats.org/drawingml/2006/main" xmlns:p="http://schemas.openxmlformats.org/presentationml/2006/main" xmlns:r="http://schemas.openxmlformats.org/officeDocument/2006/relationships" saveSubsetFonts="1">
   <p:sldMasterIdLst>
     <p:sldMasterId id="2147483648" r:id="rId1"/>
   </p:sldMasterIdLst>
   <p:sldIdLst>
-    <p:sldId id="256" r:id="rId2"/>
-    <p:sldId id="261" r:id="rId3"/>
-    <p:sldId id="257" r:id="rId4"/>
-    <p:sldId id="258" r:id="rId5"/>
-    <p:sldId id="259" r:id="rId6"/>
-    <p:sldId id="260" r:id="rId7"/>
+    <p:sldId id="256" r:id="rId6"/>
+    <p:sldId id="257" r:id="rId7"/>
+    <p:sldId id="258" r:id="rId8"/>
+    <p:sldId id="259" r:id="rId9"/>
+    <p:sldId id="260" r:id="rId10"/>
   </p:sldIdLst>
   <p:sldSz cx="12192000" cy="6858000"/>
   <p:notesSz cx="6858000" cy="9144000"/>
@@ -18,8 +17,8 @@
     <a:defPPr>
       <a:defRPr lang="en-US"/>
     </a:defPPr>
-    <a:lvl1pPr marL="0" algn="l" defTabSz="914400" rtl="0" eaLnBrk="1" latinLnBrk="0" hangingPunct="1">
-      <a:defRPr sz="1800" kern="1200">
+    <a:lvl1pPr algn="l" defTabSz="914400" eaLnBrk="1" hangingPunct="1" latinLnBrk="0" marL="0" rtl="0">
+      <a:defRPr kern="1200" sz="1800">
         <a:solidFill>
           <a:schemeClr val="tx1"/>
         </a:solidFill>
@@ -28,8 +27,8 @@
         <a:cs typeface="+mn-cs"/>
       </a:defRPr>
     </a:lvl1pPr>
-    <a:lvl2pPr marL="457200" algn="l" defTabSz="914400" rtl="0" eaLnBrk="1" latinLnBrk="0" hangingPunct="1">
-      <a:defRPr sz="1800" kern="1200">
+    <a:lvl2pPr algn="l" defTabSz="914400" eaLnBrk="1" hangingPunct="1" latinLnBrk="0" marL="457200" rtl="0">
+      <a:defRPr kern="1200" sz="1800">
         <a:solidFill>
           <a:schemeClr val="tx1"/>
         </a:solidFill>
@@ -38,8 +37,8 @@
         <a:cs typeface="+mn-cs"/>
       </a:defRPr>
     </a:lvl2pPr>
-    <a:lvl3pPr marL="914400" algn="l" defTabSz="914400" rtl="0" eaLnBrk="1" latinLnBrk="0" hangingPunct="1">
-      <a:defRPr sz="1800" kern="1200">
+    <a:lvl3pPr algn="l" defTabSz="914400" eaLnBrk="1" hangingPunct="1" latinLnBrk="0" marL="914400" rtl="0">
+      <a:defRPr kern="1200" sz="1800">
         <a:solidFill>
           <a:schemeClr val="tx1"/>
         </a:solidFill>
@@ -48,8 +47,8 @@
         <a:cs typeface="+mn-cs"/>
       </a:defRPr>
     </a:lvl3pPr>
-    <a:lvl4pPr marL="1371600" algn="l" defTabSz="914400" rtl="0" eaLnBrk="1" latinLnBrk="0" hangingPunct="1">
-      <a:defRPr sz="1800" kern="1200">
+    <a:lvl4pPr algn="l" defTabSz="914400" eaLnBrk="1" hangingPunct="1" latinLnBrk="0" marL="1371600" rtl="0">
+      <a:defRPr kern="1200" sz="1800">
         <a:solidFill>
           <a:schemeClr val="tx1"/>
         </a:solidFill>
@@ -58,8 +57,8 @@
         <a:cs typeface="+mn-cs"/>
       </a:defRPr>
     </a:lvl4pPr>
-    <a:lvl5pPr marL="1828800" algn="l" defTabSz="914400" rtl="0" eaLnBrk="1" latinLnBrk="0" hangingPunct="1">
-      <a:defRPr sz="1800" kern="1200">
+    <a:lvl5pPr algn="l" defTabSz="914400" eaLnBrk="1" hangingPunct="1" latinLnBrk="0" marL="1828800" rtl="0">
+      <a:defRPr kern="1200" sz="1800">
         <a:solidFill>
           <a:schemeClr val="tx1"/>
         </a:solidFill>
@@ -68,8 +67,8 @@
         <a:cs typeface="+mn-cs"/>
       </a:defRPr>
     </a:lvl5pPr>
-    <a:lvl6pPr marL="2286000" algn="l" defTabSz="914400" rtl="0" eaLnBrk="1" latinLnBrk="0" hangingPunct="1">
-      <a:defRPr sz="1800" kern="1200">
+    <a:lvl6pPr algn="l" defTabSz="914400" eaLnBrk="1" hangingPunct="1" latinLnBrk="0" marL="2286000" rtl="0">
+      <a:defRPr kern="1200" sz="1800">
         <a:solidFill>
           <a:schemeClr val="tx1"/>
         </a:solidFill>
@@ -78,8 +77,8 @@
         <a:cs typeface="+mn-cs"/>
       </a:defRPr>
     </a:lvl6pPr>
-    <a:lvl7pPr marL="2743200" algn="l" defTabSz="914400" rtl="0" eaLnBrk="1" latinLnBrk="0" hangingPunct="1">
-      <a:defRPr sz="1800" kern="1200">
+    <a:lvl7pPr algn="l" defTabSz="914400" eaLnBrk="1" hangingPunct="1" latinLnBrk="0" marL="2743200" rtl="0">
+      <a:defRPr kern="1200" sz="1800">
         <a:solidFill>
           <a:schemeClr val="tx1"/>
         </a:solidFill>
@@ -88,8 +87,8 @@
         <a:cs typeface="+mn-cs"/>
       </a:defRPr>
     </a:lvl7pPr>
-    <a:lvl8pPr marL="3200400" algn="l" defTabSz="914400" rtl="0" eaLnBrk="1" latinLnBrk="0" hangingPunct="1">
-      <a:defRPr sz="1800" kern="1200">
+    <a:lvl8pPr algn="l" defTabSz="914400" eaLnBrk="1" hangingPunct="1" latinLnBrk="0" marL="3200400" rtl="0">
+      <a:defRPr kern="1200" sz="1800">
         <a:solidFill>
           <a:schemeClr val="tx1"/>
         </a:solidFill>
@@ -98,8 +97,8 @@
         <a:cs typeface="+mn-cs"/>
       </a:defRPr>
     </a:lvl8pPr>
-    <a:lvl9pPr marL="3657600" algn="l" defTabSz="914400" rtl="0" eaLnBrk="1" latinLnBrk="0" hangingPunct="1">
-      <a:defRPr sz="1800" kern="1200">
+    <a:lvl9pPr algn="l" defTabSz="914400" eaLnBrk="1" hangingPunct="1" latinLnBrk="0" marL="3657600" rtl="0">
+      <a:defRPr kern="1200" sz="1800">
         <a:solidFill>
           <a:schemeClr val="tx1"/>
         </a:solidFill>
@@ -109,94 +108,7 @@
       </a:defRPr>
     </a:lvl9pPr>
   </p:defaultTextStyle>
-  <p:extLst>
-    <p:ext uri="{EFAFB233-063F-42B5-8137-9DF3F51BA10A}">
-      <p15:sldGuideLst xmlns:p15="http://schemas.microsoft.com/office/powerpoint/2012/main"/>
-    </p:ext>
-  </p:extLst>
 </p:presentation>
-</file>
-
-<file path=ppt/changesInfos/changesInfo1.xml><?xml version="1.0" encoding="utf-8"?>
-<pc:chgInfo xmlns:a="http://schemas.openxmlformats.org/drawingml/2006/main" xmlns:r="http://schemas.openxmlformats.org/officeDocument/2006/relationships" xmlns:ac="http://schemas.microsoft.com/office/drawing/2013/main/command" xmlns:pc="http://schemas.microsoft.com/office/powerpoint/2013/main/command">
-  <pc:docChgLst>
-    <pc:chgData name="Tom" userId="aa110e693df5fd91" providerId="LiveId" clId="{D442B412-F5AE-4336-9B79-B9097FA83DE8}"/>
-    <pc:docChg chg="custSel addSld modSld sldOrd">
-      <pc:chgData name="Tom" userId="aa110e693df5fd91" providerId="LiveId" clId="{D442B412-F5AE-4336-9B79-B9097FA83DE8}" dt="2022-07-16T07:32:53.958" v="139"/>
-      <pc:docMkLst>
-        <pc:docMk/>
-      </pc:docMkLst>
-      <pc:sldChg chg="modSp mod">
-        <pc:chgData name="Tom" userId="aa110e693df5fd91" providerId="LiveId" clId="{D442B412-F5AE-4336-9B79-B9097FA83DE8}" dt="2022-07-16T06:51:13.254" v="95" actId="20577"/>
-        <pc:sldMkLst>
-          <pc:docMk/>
-          <pc:sldMk cId="95992585" sldId="256"/>
-        </pc:sldMkLst>
-        <pc:spChg chg="mod">
-          <ac:chgData name="Tom" userId="aa110e693df5fd91" providerId="LiveId" clId="{D442B412-F5AE-4336-9B79-B9097FA83DE8}" dt="2022-07-16T06:50:55.174" v="33" actId="20577"/>
-          <ac:spMkLst>
-            <pc:docMk/>
-            <pc:sldMk cId="95992585" sldId="256"/>
-            <ac:spMk id="2" creationId="{0FBBCD48-BBB2-4ABA-88C3-5BC0A2B46A1B}"/>
-          </ac:spMkLst>
-        </pc:spChg>
-        <pc:spChg chg="mod">
-          <ac:chgData name="Tom" userId="aa110e693df5fd91" providerId="LiveId" clId="{D442B412-F5AE-4336-9B79-B9097FA83DE8}" dt="2022-07-16T06:51:13.254" v="95" actId="20577"/>
-          <ac:spMkLst>
-            <pc:docMk/>
-            <pc:sldMk cId="95992585" sldId="256"/>
-            <ac:spMk id="3" creationId="{3732BF5D-3F2B-46DD-B2CF-54218C5C0B8A}"/>
-          </ac:spMkLst>
-        </pc:spChg>
-      </pc:sldChg>
-      <pc:sldChg chg="modSp mod">
-        <pc:chgData name="Tom" userId="aa110e693df5fd91" providerId="LiveId" clId="{D442B412-F5AE-4336-9B79-B9097FA83DE8}" dt="2022-07-16T07:32:27.819" v="137" actId="1076"/>
-        <pc:sldMkLst>
-          <pc:docMk/>
-          <pc:sldMk cId="95992585" sldId="259"/>
-        </pc:sldMkLst>
-        <pc:picChg chg="mod">
-          <ac:chgData name="Tom" userId="aa110e693df5fd91" providerId="LiveId" clId="{D442B412-F5AE-4336-9B79-B9097FA83DE8}" dt="2022-07-16T07:32:27.819" v="137" actId="1076"/>
-          <ac:picMkLst>
-            <pc:docMk/>
-            <pc:sldMk cId="95992585" sldId="259"/>
-            <ac:picMk id="4" creationId="{8C64A0F4-9E31-4C58-A498-1F2662DA1C5F}"/>
-          </ac:picMkLst>
-        </pc:picChg>
-      </pc:sldChg>
-      <pc:sldChg chg="ord">
-        <pc:chgData name="Tom" userId="aa110e693df5fd91" providerId="LiveId" clId="{D442B412-F5AE-4336-9B79-B9097FA83DE8}" dt="2022-07-16T07:32:53.958" v="139"/>
-        <pc:sldMkLst>
-          <pc:docMk/>
-          <pc:sldMk cId="95992585" sldId="260"/>
-        </pc:sldMkLst>
-      </pc:sldChg>
-      <pc:sldChg chg="modSp new mod">
-        <pc:chgData name="Tom" userId="aa110e693df5fd91" providerId="LiveId" clId="{D442B412-F5AE-4336-9B79-B9097FA83DE8}" dt="2022-07-16T07:31:12.380" v="134" actId="27636"/>
-        <pc:sldMkLst>
-          <pc:docMk/>
-          <pc:sldMk cId="2787998502" sldId="261"/>
-        </pc:sldMkLst>
-        <pc:spChg chg="mod">
-          <ac:chgData name="Tom" userId="aa110e693df5fd91" providerId="LiveId" clId="{D442B412-F5AE-4336-9B79-B9097FA83DE8}" dt="2022-07-16T07:31:01.503" v="132" actId="113"/>
-          <ac:spMkLst>
-            <pc:docMk/>
-            <pc:sldMk cId="2787998502" sldId="261"/>
-            <ac:spMk id="2" creationId="{00D0261F-0738-87F4-8555-7EFC5E180926}"/>
-          </ac:spMkLst>
-        </pc:spChg>
-        <pc:spChg chg="mod">
-          <ac:chgData name="Tom" userId="aa110e693df5fd91" providerId="LiveId" clId="{D442B412-F5AE-4336-9B79-B9097FA83DE8}" dt="2022-07-16T07:31:12.380" v="134" actId="27636"/>
-          <ac:spMkLst>
-            <pc:docMk/>
-            <pc:sldMk cId="2787998502" sldId="261"/>
-            <ac:spMk id="3" creationId="{42944B7A-588B-FB11-4227-83151179889B}"/>
-          </ac:spMkLst>
-        </pc:spChg>
-      </pc:sldChg>
-    </pc:docChg>
-  </pc:docChgLst>
-</pc:chgInfo>
 </file>
 
 <file path=ppt/slideLayouts/slideLayout1.xml><?xml version="1.0" encoding="utf-8"?>
@@ -346,7 +258,7 @@
           <a:p>
             <a:fld id="{EED1C14C-A143-42F5-B247-D0E800131009}" type="datetimeFigureOut">
               <a:rPr lang="en-US" smtClean="0"/>
-              <a:t>7/16/2022</a:t>
+              <a:t>8/15/2018</a:t>
             </a:fld>
             <a:endParaRPr lang="en-US"/>
           </a:p>
@@ -544,7 +456,7 @@
           <a:p>
             <a:fld id="{EED1C14C-A143-42F5-B247-D0E800131009}" type="datetimeFigureOut">
               <a:rPr lang="en-US" smtClean="0"/>
-              <a:t>7/16/2022</a:t>
+              <a:t>8/15/2018</a:t>
             </a:fld>
             <a:endParaRPr lang="en-US"/>
           </a:p>
@@ -752,7 +664,7 @@
           <a:p>
             <a:fld id="{EED1C14C-A143-42F5-B247-D0E800131009}" type="datetimeFigureOut">
               <a:rPr lang="en-US" smtClean="0"/>
-              <a:t>7/16/2022</a:t>
+              <a:t>8/15/2018</a:t>
             </a:fld>
             <a:endParaRPr lang="en-US"/>
           </a:p>
@@ -950,7 +862,7 @@
           <a:p>
             <a:fld id="{EED1C14C-A143-42F5-B247-D0E800131009}" type="datetimeFigureOut">
               <a:rPr lang="en-US" smtClean="0"/>
-              <a:t>7/16/2022</a:t>
+              <a:t>8/15/2018</a:t>
             </a:fld>
             <a:endParaRPr lang="en-US"/>
           </a:p>
@@ -1225,7 +1137,7 @@
           <a:p>
             <a:fld id="{EED1C14C-A143-42F5-B247-D0E800131009}" type="datetimeFigureOut">
               <a:rPr lang="en-US" smtClean="0"/>
-              <a:t>7/16/2022</a:t>
+              <a:t>8/15/2018</a:t>
             </a:fld>
             <a:endParaRPr lang="en-US"/>
           </a:p>
@@ -1490,7 +1402,7 @@
           <a:p>
             <a:fld id="{EED1C14C-A143-42F5-B247-D0E800131009}" type="datetimeFigureOut">
               <a:rPr lang="en-US" smtClean="0"/>
-              <a:t>7/16/2022</a:t>
+              <a:t>8/15/2018</a:t>
             </a:fld>
             <a:endParaRPr lang="en-US"/>
           </a:p>
@@ -1902,7 +1814,7 @@
           <a:p>
             <a:fld id="{EED1C14C-A143-42F5-B247-D0E800131009}" type="datetimeFigureOut">
               <a:rPr lang="en-US" smtClean="0"/>
-              <a:t>7/16/2022</a:t>
+              <a:t>8/15/2018</a:t>
             </a:fld>
             <a:endParaRPr lang="en-US"/>
           </a:p>
@@ -2043,7 +1955,7 @@
           <a:p>
             <a:fld id="{EED1C14C-A143-42F5-B247-D0E800131009}" type="datetimeFigureOut">
               <a:rPr lang="en-US" smtClean="0"/>
-              <a:t>7/16/2022</a:t>
+              <a:t>8/15/2018</a:t>
             </a:fld>
             <a:endParaRPr lang="en-US"/>
           </a:p>
@@ -2156,7 +2068,7 @@
           <a:p>
             <a:fld id="{EED1C14C-A143-42F5-B247-D0E800131009}" type="datetimeFigureOut">
               <a:rPr lang="en-US" smtClean="0"/>
-              <a:t>7/16/2022</a:t>
+              <a:t>8/15/2018</a:t>
             </a:fld>
             <a:endParaRPr lang="en-US"/>
           </a:p>
@@ -2467,7 +2379,7 @@
           <a:p>
             <a:fld id="{EED1C14C-A143-42F5-B247-D0E800131009}" type="datetimeFigureOut">
               <a:rPr lang="en-US" smtClean="0"/>
-              <a:t>7/16/2022</a:t>
+              <a:t>8/15/2018</a:t>
             </a:fld>
             <a:endParaRPr lang="en-US"/>
           </a:p>
@@ -2755,7 +2667,7 @@
           <a:p>
             <a:fld id="{EED1C14C-A143-42F5-B247-D0E800131009}" type="datetimeFigureOut">
               <a:rPr lang="en-US" smtClean="0"/>
-              <a:t>7/16/2022</a:t>
+              <a:t>8/15/2018</a:t>
             </a:fld>
             <a:endParaRPr lang="en-US"/>
           </a:p>
@@ -2996,7 +2908,7 @@
           <a:p>
             <a:fld id="{EED1C14C-A143-42F5-B247-D0E800131009}" type="datetimeFigureOut">
               <a:rPr lang="en-US" smtClean="0"/>
-              <a:t>7/16/2022</a:t>
+              <a:t>8/15/2018</a:t>
             </a:fld>
             <a:endParaRPr lang="en-US"/>
           </a:p>
@@ -3397,7 +3309,7 @@
 </file>
 
 <file path=ppt/slides/slide1.xml><?xml version="1.0" encoding="utf-8"?>
-<p:sld xmlns:a="http://schemas.openxmlformats.org/drawingml/2006/main" xmlns:r="http://schemas.openxmlformats.org/officeDocument/2006/relationships" xmlns:p="http://schemas.openxmlformats.org/presentationml/2006/main">
+<p:sld xmlns:a="http://schemas.openxmlformats.org/drawingml/2006/main" xmlns:p="http://schemas.openxmlformats.org/presentationml/2006/main" xmlns:r="http://schemas.openxmlformats.org/officeDocument/2006/relationships">
   <p:cSld>
     <p:spTree>
       <p:nvGrpSpPr>
@@ -3415,69 +3327,57 @@
       </p:grpSpPr>
       <p:sp>
         <p:nvSpPr>
-          <p:cNvPr id="2" name="slide1">
-            <a:extLst>
-              <a:ext uri="{FF2B5EF4-FFF2-40B4-BE49-F238E27FC236}">
-                <a16:creationId xmlns:a16="http://schemas.microsoft.com/office/drawing/2014/main" id="{0FBBCD48-BBB2-4ABA-88C3-5BC0A2B46A1B}"/>
-              </a:ext>
-            </a:extLst>
-          </p:cNvPr>
-          <p:cNvSpPr>
-            <a:spLocks noGrp="1"/>
-          </p:cNvSpPr>
-          <p:nvPr>
-            <p:ph type="ctrTitle"/>
-          </p:nvPr>
-        </p:nvSpPr>
-        <p:spPr/>
-        <p:txBody>
-          <a:bodyPr/>
-          <a:lstStyle/>
-          <a:p>
-            <a:r>
-              <a:rPr dirty="0"/>
-              <a:t>MBJ </a:t>
-            </a:r>
-            <a:r>
-              <a:rPr lang="en-US" dirty="0"/>
-              <a:t>Coffee Expansion Analysis</a:t>
-            </a:r>
-            <a:endParaRPr dirty="0"/>
-          </a:p>
-        </p:txBody>
-      </p:sp>
-      <p:sp>
-        <p:nvSpPr>
-          <p:cNvPr id="3" name="slide1">
-            <a:extLst>
-              <a:ext uri="{FF2B5EF4-FFF2-40B4-BE49-F238E27FC236}">
-                <a16:creationId xmlns:a16="http://schemas.microsoft.com/office/drawing/2014/main" id="{3732BF5D-3F2B-46DD-B2CF-54218C5C0B8A}"/>
-              </a:ext>
-            </a:extLst>
-          </p:cNvPr>
-          <p:cNvSpPr>
-            <a:spLocks noGrp="1"/>
-          </p:cNvSpPr>
-          <p:nvPr>
-            <p:ph type="subTitle" idx="1"/>
-          </p:nvPr>
-        </p:nvSpPr>
-        <p:spPr/>
-        <p:txBody>
-          <a:bodyPr/>
-          <a:lstStyle/>
-          <a:p>
-            <a:r>
-              <a:rPr lang="en-US" dirty="0"/>
-              <a:t>By: Tom Barasa</a:t>
-            </a:r>
-          </a:p>
-          <a:p>
-            <a:r>
-              <a:rPr lang="en-US" dirty="0"/>
-              <a:t>04/30/2022</a:t>
-            </a:r>
-            <a:endParaRPr dirty="0"/>
+          <p:cNvPr id="0" name="slide1">
+            <a:extLst>
+              <a:ext uri="{FF2B5EF4-FFF2-40B4-BE49-F238E27FC236}">
+                <a16:creationId xmlns:a16="http://schemas.microsoft.com/office/drawing/2014/main" id="{F72D086C-10F6-43A1-95C9-F4937BFE590B}"/>
+              </a:ext>
+            </a:extLst>
+          </p:cNvPr>
+          <p:cNvSpPr>
+            <a:spLocks noGrp="1"/>
+          </p:cNvSpPr>
+          <p:nvPr>
+            <p:ph idx="0" type="ctrTitle"/>
+          </p:nvPr>
+        </p:nvSpPr>
+        <p:spPr/>
+        <p:txBody>
+          <a:bodyPr/>
+          <a:lstStyle/>
+          <a:p>
+            <a:r>
+              <a:rPr/>
+              <a:t>MBJ Dashboard</a:t>
+            </a:r>
+          </a:p>
+        </p:txBody>
+      </p:sp>
+      <p:sp>
+        <p:nvSpPr>
+          <p:cNvPr id="1" name="slide1">
+            <a:extLst>
+              <a:ext uri="{FF2B5EF4-FFF2-40B4-BE49-F238E27FC236}">
+                <a16:creationId xmlns:a16="http://schemas.microsoft.com/office/drawing/2014/main" id="{1BE1F0C9-82A6-45E6-89AD-041C575EB32F}"/>
+              </a:ext>
+            </a:extLst>
+          </p:cNvPr>
+          <p:cNvSpPr>
+            <a:spLocks noGrp="1"/>
+          </p:cNvSpPr>
+          <p:nvPr>
+            <p:ph idx="1" type="subTitle"/>
+          </p:nvPr>
+        </p:nvSpPr>
+        <p:spPr/>
+        <p:txBody>
+          <a:bodyPr/>
+          <a:lstStyle/>
+          <a:p>
+            <a:r>
+              <a:rPr/>
+              <a:t>File created on: 7/16/2022 3:15:03 AM</a:t>
+            </a:r>
           </a:p>
         </p:txBody>
       </p:sp>
@@ -3495,197 +3395,7 @@
 </file>
 
 <file path=ppt/slides/slide2.xml><?xml version="1.0" encoding="utf-8"?>
-<p:sld xmlns:a="http://schemas.openxmlformats.org/drawingml/2006/main" xmlns:r="http://schemas.openxmlformats.org/officeDocument/2006/relationships" xmlns:p="http://schemas.openxmlformats.org/presentationml/2006/main">
-  <p:cSld>
-    <p:spTree>
-      <p:nvGrpSpPr>
-        <p:cNvPr id="1" name=""/>
-        <p:cNvGrpSpPr/>
-        <p:nvPr/>
-      </p:nvGrpSpPr>
-      <p:grpSpPr>
-        <a:xfrm>
-          <a:off x="0" y="0"/>
-          <a:ext cx="0" cy="0"/>
-          <a:chOff x="0" y="0"/>
-          <a:chExt cx="0" cy="0"/>
-        </a:xfrm>
-      </p:grpSpPr>
-      <p:sp>
-        <p:nvSpPr>
-          <p:cNvPr id="2" name="Title 1">
-            <a:extLst>
-              <a:ext uri="{FF2B5EF4-FFF2-40B4-BE49-F238E27FC236}">
-                <a16:creationId xmlns:a16="http://schemas.microsoft.com/office/drawing/2014/main" id="{00D0261F-0738-87F4-8555-7EFC5E180926}"/>
-              </a:ext>
-            </a:extLst>
-          </p:cNvPr>
-          <p:cNvSpPr>
-            <a:spLocks noGrp="1"/>
-          </p:cNvSpPr>
-          <p:nvPr>
-            <p:ph type="title"/>
-          </p:nvPr>
-        </p:nvSpPr>
-        <p:spPr/>
-        <p:txBody>
-          <a:bodyPr>
-            <a:normAutofit/>
-          </a:bodyPr>
-          <a:lstStyle/>
-          <a:p>
-            <a:r>
-              <a:rPr lang="en-US" sz="2400" b="1" dirty="0">
-                <a:latin typeface="Times New Roman" panose="02020603050405020304" pitchFamily="18" charset="0"/>
-                <a:cs typeface="Times New Roman" panose="02020603050405020304" pitchFamily="18" charset="0"/>
-              </a:rPr>
-              <a:t>MBJ Coffee Expansion Analysis</a:t>
-            </a:r>
-          </a:p>
-        </p:txBody>
-      </p:sp>
-      <p:sp>
-        <p:nvSpPr>
-          <p:cNvPr id="3" name="Content Placeholder 2">
-            <a:extLst>
-              <a:ext uri="{FF2B5EF4-FFF2-40B4-BE49-F238E27FC236}">
-                <a16:creationId xmlns:a16="http://schemas.microsoft.com/office/drawing/2014/main" id="{42944B7A-588B-FB11-4227-83151179889B}"/>
-              </a:ext>
-            </a:extLst>
-          </p:cNvPr>
-          <p:cNvSpPr>
-            <a:spLocks noGrp="1"/>
-          </p:cNvSpPr>
-          <p:nvPr>
-            <p:ph idx="1"/>
-          </p:nvPr>
-        </p:nvSpPr>
-        <p:spPr/>
-        <p:txBody>
-          <a:bodyPr>
-            <a:normAutofit fontScale="55000" lnSpcReduction="20000"/>
-          </a:bodyPr>
-          <a:lstStyle/>
-          <a:p>
-            <a:pPr marL="0" indent="0">
-              <a:lnSpc>
-                <a:spcPct val="150000"/>
-              </a:lnSpc>
-              <a:buNone/>
-            </a:pPr>
-            <a:r>
-              <a:rPr lang="en-US" sz="2800" dirty="0">
-                <a:latin typeface="Times New Roman" panose="02020603050405020304" pitchFamily="18" charset="0"/>
-                <a:cs typeface="Times New Roman" panose="02020603050405020304" pitchFamily="18" charset="0"/>
-              </a:rPr>
-              <a:t>MBJ Coffee shop, is a relatively small company which can’t compete with big players in the current market. The company’s strategy is to build a vast network of shops in  smaller cities. MBJ Coffee shop already has a strong presence in 140 locations and recently opened stores in 10 new cities. Additionally, the company has two separate sales regions.</a:t>
-            </a:r>
-          </a:p>
-          <a:p>
-            <a:pPr marL="0" indent="0">
-              <a:lnSpc>
-                <a:spcPct val="150000"/>
-              </a:lnSpc>
-              <a:buNone/>
-            </a:pPr>
-            <a:r>
-              <a:rPr lang="en-US" sz="2800" dirty="0">
-                <a:latin typeface="Times New Roman" panose="02020603050405020304" pitchFamily="18" charset="0"/>
-                <a:cs typeface="Times New Roman" panose="02020603050405020304" pitchFamily="18" charset="0"/>
-              </a:rPr>
-              <a:t>The company wants to:</a:t>
-            </a:r>
-          </a:p>
-          <a:p>
-            <a:pPr marL="0" indent="0">
-              <a:lnSpc>
-                <a:spcPct val="150000"/>
-              </a:lnSpc>
-              <a:buNone/>
-            </a:pPr>
-            <a:r>
-              <a:rPr lang="en-US" sz="2800" dirty="0">
-                <a:latin typeface="Times New Roman" panose="02020603050405020304" pitchFamily="18" charset="0"/>
-                <a:cs typeface="Times New Roman" panose="02020603050405020304" pitchFamily="18" charset="0"/>
-              </a:rPr>
-              <a:t>1) Identify which of the two sales regions is performing better (outperforming the other in 2 of the following 3 metrics).</a:t>
-            </a:r>
-          </a:p>
-          <a:p>
-            <a:pPr>
-              <a:lnSpc>
-                <a:spcPct val="150000"/>
-              </a:lnSpc>
-            </a:pPr>
-            <a:r>
-              <a:rPr lang="en-US" sz="2800" dirty="0">
-                <a:latin typeface="Times New Roman" panose="02020603050405020304" pitchFamily="18" charset="0"/>
-                <a:cs typeface="Times New Roman" panose="02020603050405020304" pitchFamily="18" charset="0"/>
-              </a:rPr>
-              <a:t>Average Revenue per City.</a:t>
-            </a:r>
-          </a:p>
-          <a:p>
-            <a:pPr>
-              <a:lnSpc>
-                <a:spcPct val="150000"/>
-              </a:lnSpc>
-            </a:pPr>
-            <a:r>
-              <a:rPr lang="en-US" sz="2800" dirty="0">
-                <a:latin typeface="Times New Roman" panose="02020603050405020304" pitchFamily="18" charset="0"/>
-                <a:cs typeface="Times New Roman" panose="02020603050405020304" pitchFamily="18" charset="0"/>
-              </a:rPr>
-              <a:t>Average Marketing spend per city(tip- less is better).</a:t>
-            </a:r>
-          </a:p>
-          <a:p>
-            <a:pPr>
-              <a:lnSpc>
-                <a:spcPct val="150000"/>
-              </a:lnSpc>
-            </a:pPr>
-            <a:r>
-              <a:rPr lang="en-US" sz="2800" dirty="0">
-                <a:latin typeface="Times New Roman" panose="02020603050405020304" pitchFamily="18" charset="0"/>
-                <a:cs typeface="Times New Roman" panose="02020603050405020304" pitchFamily="18" charset="0"/>
-              </a:rPr>
-              <a:t>Average ROMI (Return on Marketing Investment) per city. Calculated as (revenue/marketing spend).</a:t>
-            </a:r>
-          </a:p>
-          <a:p>
-            <a:pPr marL="0" indent="0">
-              <a:lnSpc>
-                <a:spcPct val="150000"/>
-              </a:lnSpc>
-              <a:buNone/>
-            </a:pPr>
-            <a:r>
-              <a:rPr lang="en-US" sz="2800" dirty="0">
-                <a:latin typeface="Times New Roman" panose="02020603050405020304" pitchFamily="18" charset="0"/>
-                <a:cs typeface="Times New Roman" panose="02020603050405020304" pitchFamily="18" charset="0"/>
-              </a:rPr>
-              <a:t>2). Identify which of the 10 new locations have the best potential for the company to invest more funds into marketing</a:t>
-            </a:r>
-            <a:endParaRPr lang="en-US" dirty="0"/>
-          </a:p>
-        </p:txBody>
-      </p:sp>
-    </p:spTree>
-    <p:extLst>
-      <p:ext uri="{BB962C8B-B14F-4D97-AF65-F5344CB8AC3E}">
-        <p14:creationId xmlns:p14="http://schemas.microsoft.com/office/powerpoint/2010/main" val="2787998502"/>
-      </p:ext>
-    </p:extLst>
-  </p:cSld>
-  <p:clrMapOvr>
-    <a:masterClrMapping/>
-  </p:clrMapOvr>
-</p:sld>
-</file>
-
-<file path=ppt/slides/slide3.xml><?xml version="1.0" encoding="utf-8"?>
-<p:sld xmlns:a="http://schemas.openxmlformats.org/drawingml/2006/main" xmlns:r="http://schemas.openxmlformats.org/officeDocument/2006/relationships" xmlns:p="http://schemas.openxmlformats.org/presentationml/2006/main">
+<p:sld xmlns:a="http://schemas.openxmlformats.org/drawingml/2006/main" xmlns:p="http://schemas.openxmlformats.org/presentationml/2006/main" xmlns:r="http://schemas.openxmlformats.org/officeDocument/2006/relationships">
   <p:cSld>
     <p:spTree>
       <p:nvGrpSpPr>
@@ -3703,10 +3413,10 @@
       </p:grpSpPr>
       <p:pic>
         <p:nvPicPr>
-          <p:cNvPr id="2" name="slide2" descr="MBJ Storyline3">
-            <a:extLst>
-              <a:ext uri="{FF2B5EF4-FFF2-40B4-BE49-F238E27FC236}">
-                <a16:creationId xmlns:a16="http://schemas.microsoft.com/office/drawing/2014/main" id="{D48043ED-14E8-425D-991A-C4DEE838D213}"/>
+          <p:cNvPr descr="MBJ Storyline3" id="2" name="slide2">
+            <a:extLst>
+              <a:ext uri="{FF2B5EF4-FFF2-40B4-BE49-F238E27FC236}">
+                <a16:creationId xmlns:a16="http://schemas.microsoft.com/office/drawing/2014/main" id="{87D5467F-78CC-4330-B08E-D9C0C1B231E3}"/>
               </a:ext>
             </a:extLst>
           </p:cNvPr>
@@ -3716,7 +3426,7 @@
           <p:nvPr/>
         </p:nvPicPr>
         <p:blipFill>
-          <a:blip r:embed="rId2">
+          <a:blip r:embed="rId7">
             <a:extLst>
               <a:ext uri="{28A0092B-C50C-407E-A947-70E740481C1C}">
                 <a14:useLocalDpi xmlns:a14="http://schemas.microsoft.com/office/drawing/2010/main" val="0"/>
@@ -3729,8 +3439,74 @@
         </p:blipFill>
         <p:spPr>
           <a:xfrm>
-            <a:off x="1532594" y="0"/>
-            <a:ext cx="9126812" cy="6858000"/>
+            <a:off x="1210319" y="0"/>
+            <a:ext cx="9771361" cy="6858000"/>
+          </a:xfrm>
+          <a:prstGeom prst="rect">
+            <a:avLst/>
+          </a:prstGeom>
+        </p:spPr>
+      </p:pic>
+    </p:spTree>
+    <p:extLst>
+      <p:ext uri="{BB962C8B-B14F-4D97-AF65-F5344CB8AC3E}">
+        <p14:creationId xmlns:p14="http://schemas.microsoft.com/office/powerpoint/2010/main" val="95992585"/>
+      </p:ext>
+    </p:extLst>
+  </p:cSld>
+  <p:clrMapOvr>
+    <a:masterClrMapping/>
+  </p:clrMapOvr>
+</p:sld>
+</file>
+
+<file path=ppt/slides/slide3.xml><?xml version="1.0" encoding="utf-8"?>
+<p:sld xmlns:a="http://schemas.openxmlformats.org/drawingml/2006/main" xmlns:p="http://schemas.openxmlformats.org/presentationml/2006/main" xmlns:r="http://schemas.openxmlformats.org/officeDocument/2006/relationships">
+  <p:cSld>
+    <p:spTree>
+      <p:nvGrpSpPr>
+        <p:cNvPr id="1" name=""/>
+        <p:cNvGrpSpPr/>
+        <p:nvPr/>
+      </p:nvGrpSpPr>
+      <p:grpSpPr>
+        <a:xfrm>
+          <a:off x="0" y="0"/>
+          <a:ext cx="0" cy="0"/>
+          <a:chOff x="0" y="0"/>
+          <a:chExt cx="0" cy="0"/>
+        </a:xfrm>
+      </p:grpSpPr>
+      <p:pic>
+        <p:nvPicPr>
+          <p:cNvPr descr="MBJ Storyline4" id="3" name="slide3">
+            <a:extLst>
+              <a:ext uri="{FF2B5EF4-FFF2-40B4-BE49-F238E27FC236}">
+                <a16:creationId xmlns:a16="http://schemas.microsoft.com/office/drawing/2014/main" id="{098F8591-FB80-4B06-A2D0-1AA050B796EB}"/>
+              </a:ext>
+            </a:extLst>
+          </p:cNvPr>
+          <p:cNvPicPr>
+            <a:picLocks noChangeAspect="1"/>
+          </p:cNvPicPr>
+          <p:nvPr/>
+        </p:nvPicPr>
+        <p:blipFill>
+          <a:blip r:embed="rId8">
+            <a:extLst>
+              <a:ext uri="{28A0092B-C50C-407E-A947-70E740481C1C}">
+                <a14:useLocalDpi xmlns:a14="http://schemas.microsoft.com/office/drawing/2010/main" val="0"/>
+              </a:ext>
+            </a:extLst>
+          </a:blip>
+          <a:stretch>
+            <a:fillRect/>
+          </a:stretch>
+        </p:blipFill>
+        <p:spPr>
+          <a:xfrm>
+            <a:off x="1210319" y="0"/>
+            <a:ext cx="9771361" cy="6858000"/>
           </a:xfrm>
           <a:prstGeom prst="rect">
             <a:avLst/>
@@ -3751,7 +3527,7 @@
 </file>
 
 <file path=ppt/slides/slide4.xml><?xml version="1.0" encoding="utf-8"?>
-<p:sld xmlns:a="http://schemas.openxmlformats.org/drawingml/2006/main" xmlns:r="http://schemas.openxmlformats.org/officeDocument/2006/relationships" xmlns:p="http://schemas.openxmlformats.org/presentationml/2006/main">
+<p:sld xmlns:a="http://schemas.openxmlformats.org/drawingml/2006/main" xmlns:p="http://schemas.openxmlformats.org/presentationml/2006/main" xmlns:r="http://schemas.openxmlformats.org/officeDocument/2006/relationships">
   <p:cSld>
     <p:spTree>
       <p:nvGrpSpPr>
@@ -3769,10 +3545,10 @@
       </p:grpSpPr>
       <p:pic>
         <p:nvPicPr>
-          <p:cNvPr id="3" name="slide3" descr="MBJ Storyline4">
-            <a:extLst>
-              <a:ext uri="{FF2B5EF4-FFF2-40B4-BE49-F238E27FC236}">
-                <a16:creationId xmlns:a16="http://schemas.microsoft.com/office/drawing/2014/main" id="{3AA7F949-E6EF-4EFD-A9DD-C5182F8D2940}"/>
+          <p:cNvPr descr="MBJ Storyline5" id="4" name="slide4">
+            <a:extLst>
+              <a:ext uri="{FF2B5EF4-FFF2-40B4-BE49-F238E27FC236}">
+                <a16:creationId xmlns:a16="http://schemas.microsoft.com/office/drawing/2014/main" id="{74A0AD2D-5CB0-4F68-AA51-AC6D02FD4B27}"/>
               </a:ext>
             </a:extLst>
           </p:cNvPr>
@@ -3782,7 +3558,7 @@
           <p:nvPr/>
         </p:nvPicPr>
         <p:blipFill>
-          <a:blip r:embed="rId2">
+          <a:blip r:embed="rId9">
             <a:extLst>
               <a:ext uri="{28A0092B-C50C-407E-A947-70E740481C1C}">
                 <a14:useLocalDpi xmlns:a14="http://schemas.microsoft.com/office/drawing/2010/main" val="0"/>
@@ -3795,8 +3571,8 @@
         </p:blipFill>
         <p:spPr>
           <a:xfrm>
-            <a:off x="1532594" y="0"/>
-            <a:ext cx="9126812" cy="6858000"/>
+            <a:off x="1210319" y="0"/>
+            <a:ext cx="9771361" cy="6858000"/>
           </a:xfrm>
           <a:prstGeom prst="rect">
             <a:avLst/>
@@ -3817,7 +3593,7 @@
 </file>
 
 <file path=ppt/slides/slide5.xml><?xml version="1.0" encoding="utf-8"?>
-<p:sld xmlns:a="http://schemas.openxmlformats.org/drawingml/2006/main" xmlns:r="http://schemas.openxmlformats.org/officeDocument/2006/relationships" xmlns:p="http://schemas.openxmlformats.org/presentationml/2006/main">
+<p:sld xmlns:a="http://schemas.openxmlformats.org/drawingml/2006/main" xmlns:p="http://schemas.openxmlformats.org/presentationml/2006/main" xmlns:r="http://schemas.openxmlformats.org/officeDocument/2006/relationships">
   <p:cSld>
     <p:spTree>
       <p:nvGrpSpPr>
@@ -3835,10 +3611,10 @@
       </p:grpSpPr>
       <p:pic>
         <p:nvPicPr>
-          <p:cNvPr id="4" name="slide4" descr="MBJ Storyline5">
-            <a:extLst>
-              <a:ext uri="{FF2B5EF4-FFF2-40B4-BE49-F238E27FC236}">
-                <a16:creationId xmlns:a16="http://schemas.microsoft.com/office/drawing/2014/main" id="{8C64A0F4-9E31-4C58-A498-1F2662DA1C5F}"/>
+          <p:cNvPr descr="MBJ Storyline6" id="5" name="slide5">
+            <a:extLst>
+              <a:ext uri="{FF2B5EF4-FFF2-40B4-BE49-F238E27FC236}">
+                <a16:creationId xmlns:a16="http://schemas.microsoft.com/office/drawing/2014/main" id="{A45ECA95-8763-41A0-ACE1-BED1B3F012A2}"/>
               </a:ext>
             </a:extLst>
           </p:cNvPr>
@@ -3848,7 +3624,7 @@
           <p:nvPr/>
         </p:nvPicPr>
         <p:blipFill>
-          <a:blip r:embed="rId2">
+          <a:blip r:embed="rId10">
             <a:extLst>
               <a:ext uri="{28A0092B-C50C-407E-A947-70E740481C1C}">
                 <a14:useLocalDpi xmlns:a14="http://schemas.microsoft.com/office/drawing/2010/main" val="0"/>
@@ -3861,8 +3637,8 @@
         </p:blipFill>
         <p:spPr>
           <a:xfrm>
-            <a:off x="935435" y="158620"/>
-            <a:ext cx="9126812" cy="6858000"/>
+            <a:off x="1210319" y="0"/>
+            <a:ext cx="9771361" cy="6858000"/>
           </a:xfrm>
           <a:prstGeom prst="rect">
             <a:avLst/>
@@ -3882,7 +3658,7 @@
 </p:sld>
 </file>
 
-<file path=ppt/slides/slide6.xml><?xml version="1.0" encoding="utf-8"?>
+<file path=ppt/slides/slideTemplate.xml><?xml version="1.0" encoding="utf-8"?>
 <p:sld xmlns:a="http://schemas.openxmlformats.org/drawingml/2006/main" xmlns:r="http://schemas.openxmlformats.org/officeDocument/2006/relationships" xmlns:p="http://schemas.openxmlformats.org/presentationml/2006/main">
   <p:cSld>
     <p:spTree>
@@ -3899,42 +3675,6 @@
           <a:chExt cx="0" cy="0"/>
         </a:xfrm>
       </p:grpSpPr>
-      <p:pic>
-        <p:nvPicPr>
-          <p:cNvPr id="5" name="slide5" descr="MBJ Storyline6">
-            <a:extLst>
-              <a:ext uri="{FF2B5EF4-FFF2-40B4-BE49-F238E27FC236}">
-                <a16:creationId xmlns:a16="http://schemas.microsoft.com/office/drawing/2014/main" id="{5CF6F2B8-A315-4645-86B2-76E9A02433BD}"/>
-              </a:ext>
-            </a:extLst>
-          </p:cNvPr>
-          <p:cNvPicPr>
-            <a:picLocks noChangeAspect="1"/>
-          </p:cNvPicPr>
-          <p:nvPr/>
-        </p:nvPicPr>
-        <p:blipFill>
-          <a:blip r:embed="rId2">
-            <a:extLst>
-              <a:ext uri="{28A0092B-C50C-407E-A947-70E740481C1C}">
-                <a14:useLocalDpi xmlns:a14="http://schemas.microsoft.com/office/drawing/2010/main" val="0"/>
-              </a:ext>
-            </a:extLst>
-          </a:blip>
-          <a:stretch>
-            <a:fillRect/>
-          </a:stretch>
-        </p:blipFill>
-        <p:spPr>
-          <a:xfrm>
-            <a:off x="1532594" y="0"/>
-            <a:ext cx="9126812" cy="6858000"/>
-          </a:xfrm>
-          <a:prstGeom prst="rect">
-            <a:avLst/>
-          </a:prstGeom>
-        </p:spPr>
-      </p:pic>
     </p:spTree>
     <p:extLst>
       <p:ext uri="{BB962C8B-B14F-4D97-AF65-F5344CB8AC3E}">

--- a/MBJ Coffee Expansion Analysis.pptx
+++ b/MBJ Coffee Expansion Analysis.pptx
@@ -1,15 +1,18 @@
 
 <file path=ppt/presentation.xml><?xml version="1.0" encoding="utf-8"?>
-<p:presentation xmlns:a="http://schemas.openxmlformats.org/drawingml/2006/main" xmlns:p="http://schemas.openxmlformats.org/presentationml/2006/main" xmlns:r="http://schemas.openxmlformats.org/officeDocument/2006/relationships" saveSubsetFonts="1">
+<p:presentation xmlns:a="http://schemas.openxmlformats.org/drawingml/2006/main" xmlns:r="http://schemas.openxmlformats.org/officeDocument/2006/relationships" xmlns:p="http://schemas.openxmlformats.org/presentationml/2006/main" saveSubsetFonts="1">
   <p:sldMasterIdLst>
     <p:sldMasterId id="2147483648" r:id="rId1"/>
   </p:sldMasterIdLst>
   <p:sldIdLst>
-    <p:sldId id="256" r:id="rId6"/>
-    <p:sldId id="257" r:id="rId7"/>
-    <p:sldId id="258" r:id="rId8"/>
-    <p:sldId id="259" r:id="rId9"/>
-    <p:sldId id="260" r:id="rId10"/>
+    <p:sldId id="256" r:id="rId2"/>
+    <p:sldId id="262" r:id="rId3"/>
+    <p:sldId id="257" r:id="rId4"/>
+    <p:sldId id="258" r:id="rId5"/>
+    <p:sldId id="259" r:id="rId6"/>
+    <p:sldId id="260" r:id="rId7"/>
+    <p:sldId id="261" r:id="rId8"/>
+    <p:sldId id="263" r:id="rId9"/>
   </p:sldIdLst>
   <p:sldSz cx="12192000" cy="6858000"/>
   <p:notesSz cx="6858000" cy="9144000"/>
@@ -17,8 +20,8 @@
     <a:defPPr>
       <a:defRPr lang="en-US"/>
     </a:defPPr>
-    <a:lvl1pPr algn="l" defTabSz="914400" eaLnBrk="1" hangingPunct="1" latinLnBrk="0" marL="0" rtl="0">
-      <a:defRPr kern="1200" sz="1800">
+    <a:lvl1pPr marL="0" algn="l" defTabSz="914400" rtl="0" eaLnBrk="1" latinLnBrk="0" hangingPunct="1">
+      <a:defRPr sz="1800" kern="1200">
         <a:solidFill>
           <a:schemeClr val="tx1"/>
         </a:solidFill>
@@ -27,8 +30,8 @@
         <a:cs typeface="+mn-cs"/>
       </a:defRPr>
     </a:lvl1pPr>
-    <a:lvl2pPr algn="l" defTabSz="914400" eaLnBrk="1" hangingPunct="1" latinLnBrk="0" marL="457200" rtl="0">
-      <a:defRPr kern="1200" sz="1800">
+    <a:lvl2pPr marL="457200" algn="l" defTabSz="914400" rtl="0" eaLnBrk="1" latinLnBrk="0" hangingPunct="1">
+      <a:defRPr sz="1800" kern="1200">
         <a:solidFill>
           <a:schemeClr val="tx1"/>
         </a:solidFill>
@@ -37,8 +40,8 @@
         <a:cs typeface="+mn-cs"/>
       </a:defRPr>
     </a:lvl2pPr>
-    <a:lvl3pPr algn="l" defTabSz="914400" eaLnBrk="1" hangingPunct="1" latinLnBrk="0" marL="914400" rtl="0">
-      <a:defRPr kern="1200" sz="1800">
+    <a:lvl3pPr marL="914400" algn="l" defTabSz="914400" rtl="0" eaLnBrk="1" latinLnBrk="0" hangingPunct="1">
+      <a:defRPr sz="1800" kern="1200">
         <a:solidFill>
           <a:schemeClr val="tx1"/>
         </a:solidFill>
@@ -47,8 +50,8 @@
         <a:cs typeface="+mn-cs"/>
       </a:defRPr>
     </a:lvl3pPr>
-    <a:lvl4pPr algn="l" defTabSz="914400" eaLnBrk="1" hangingPunct="1" latinLnBrk="0" marL="1371600" rtl="0">
-      <a:defRPr kern="1200" sz="1800">
+    <a:lvl4pPr marL="1371600" algn="l" defTabSz="914400" rtl="0" eaLnBrk="1" latinLnBrk="0" hangingPunct="1">
+      <a:defRPr sz="1800" kern="1200">
         <a:solidFill>
           <a:schemeClr val="tx1"/>
         </a:solidFill>
@@ -57,8 +60,8 @@
         <a:cs typeface="+mn-cs"/>
       </a:defRPr>
     </a:lvl4pPr>
-    <a:lvl5pPr algn="l" defTabSz="914400" eaLnBrk="1" hangingPunct="1" latinLnBrk="0" marL="1828800" rtl="0">
-      <a:defRPr kern="1200" sz="1800">
+    <a:lvl5pPr marL="1828800" algn="l" defTabSz="914400" rtl="0" eaLnBrk="1" latinLnBrk="0" hangingPunct="1">
+      <a:defRPr sz="1800" kern="1200">
         <a:solidFill>
           <a:schemeClr val="tx1"/>
         </a:solidFill>
@@ -67,8 +70,8 @@
         <a:cs typeface="+mn-cs"/>
       </a:defRPr>
     </a:lvl5pPr>
-    <a:lvl6pPr algn="l" defTabSz="914400" eaLnBrk="1" hangingPunct="1" latinLnBrk="0" marL="2286000" rtl="0">
-      <a:defRPr kern="1200" sz="1800">
+    <a:lvl6pPr marL="2286000" algn="l" defTabSz="914400" rtl="0" eaLnBrk="1" latinLnBrk="0" hangingPunct="1">
+      <a:defRPr sz="1800" kern="1200">
         <a:solidFill>
           <a:schemeClr val="tx1"/>
         </a:solidFill>
@@ -77,8 +80,8 @@
         <a:cs typeface="+mn-cs"/>
       </a:defRPr>
     </a:lvl6pPr>
-    <a:lvl7pPr algn="l" defTabSz="914400" eaLnBrk="1" hangingPunct="1" latinLnBrk="0" marL="2743200" rtl="0">
-      <a:defRPr kern="1200" sz="1800">
+    <a:lvl7pPr marL="2743200" algn="l" defTabSz="914400" rtl="0" eaLnBrk="1" latinLnBrk="0" hangingPunct="1">
+      <a:defRPr sz="1800" kern="1200">
         <a:solidFill>
           <a:schemeClr val="tx1"/>
         </a:solidFill>
@@ -87,8 +90,8 @@
         <a:cs typeface="+mn-cs"/>
       </a:defRPr>
     </a:lvl7pPr>
-    <a:lvl8pPr algn="l" defTabSz="914400" eaLnBrk="1" hangingPunct="1" latinLnBrk="0" marL="3200400" rtl="0">
-      <a:defRPr kern="1200" sz="1800">
+    <a:lvl8pPr marL="3200400" algn="l" defTabSz="914400" rtl="0" eaLnBrk="1" latinLnBrk="0" hangingPunct="1">
+      <a:defRPr sz="1800" kern="1200">
         <a:solidFill>
           <a:schemeClr val="tx1"/>
         </a:solidFill>
@@ -97,8 +100,8 @@
         <a:cs typeface="+mn-cs"/>
       </a:defRPr>
     </a:lvl8pPr>
-    <a:lvl9pPr algn="l" defTabSz="914400" eaLnBrk="1" hangingPunct="1" latinLnBrk="0" marL="3657600" rtl="0">
-      <a:defRPr kern="1200" sz="1800">
+    <a:lvl9pPr marL="3657600" algn="l" defTabSz="914400" rtl="0" eaLnBrk="1" latinLnBrk="0" hangingPunct="1">
+      <a:defRPr sz="1800" kern="1200">
         <a:solidFill>
           <a:schemeClr val="tx1"/>
         </a:solidFill>
@@ -108,7 +111,143 @@
       </a:defRPr>
     </a:lvl9pPr>
   </p:defaultTextStyle>
+  <p:extLst>
+    <p:ext uri="{EFAFB233-063F-42B5-8137-9DF3F51BA10A}">
+      <p15:sldGuideLst xmlns:p15="http://schemas.microsoft.com/office/powerpoint/2012/main"/>
+    </p:ext>
+  </p:extLst>
 </p:presentation>
+</file>
+
+<file path=ppt/changesInfos/changesInfo1.xml><?xml version="1.0" encoding="utf-8"?>
+<pc:chgInfo xmlns:a="http://schemas.openxmlformats.org/drawingml/2006/main" xmlns:r="http://schemas.openxmlformats.org/officeDocument/2006/relationships" xmlns:ac="http://schemas.microsoft.com/office/drawing/2013/main/command" xmlns:pc="http://schemas.microsoft.com/office/powerpoint/2013/main/command">
+  <pc:docChgLst>
+    <pc:chgData name="Tom" userId="aa110e693df5fd91" providerId="LiveId" clId="{D442B412-F5AE-4336-9B79-B9097FA83DE8}"/>
+    <pc:docChg chg="custSel addSld modSld">
+      <pc:chgData name="Tom" userId="aa110e693df5fd91" providerId="LiveId" clId="{D442B412-F5AE-4336-9B79-B9097FA83DE8}" dt="2022-07-16T08:50:58.969" v="203" actId="20577"/>
+      <pc:docMkLst>
+        <pc:docMk/>
+      </pc:docMkLst>
+      <pc:sldChg chg="modSp mod">
+        <pc:chgData name="Tom" userId="aa110e693df5fd91" providerId="LiveId" clId="{D442B412-F5AE-4336-9B79-B9097FA83DE8}" dt="2022-07-16T08:43:43.816" v="100" actId="20577"/>
+        <pc:sldMkLst>
+          <pc:docMk/>
+          <pc:sldMk cId="95992585" sldId="256"/>
+        </pc:sldMkLst>
+        <pc:spChg chg="mod">
+          <ac:chgData name="Tom" userId="aa110e693df5fd91" providerId="LiveId" clId="{D442B412-F5AE-4336-9B79-B9097FA83DE8}" dt="2022-07-16T08:43:20.841" v="36" actId="255"/>
+          <ac:spMkLst>
+            <pc:docMk/>
+            <pc:sldMk cId="95992585" sldId="256"/>
+            <ac:spMk id="2" creationId="{1F9E6674-B409-4523-B0B6-D8169FD08949}"/>
+          </ac:spMkLst>
+        </pc:spChg>
+        <pc:spChg chg="mod">
+          <ac:chgData name="Tom" userId="aa110e693df5fd91" providerId="LiveId" clId="{D442B412-F5AE-4336-9B79-B9097FA83DE8}" dt="2022-07-16T08:43:43.816" v="100" actId="20577"/>
+          <ac:spMkLst>
+            <pc:docMk/>
+            <pc:sldMk cId="95992585" sldId="256"/>
+            <ac:spMk id="3" creationId="{84DEB317-B3CA-44E3-B425-67E7E7705C8F}"/>
+          </ac:spMkLst>
+        </pc:spChg>
+      </pc:sldChg>
+      <pc:sldChg chg="modSp new mod">
+        <pc:chgData name="Tom" userId="aa110e693df5fd91" providerId="LiveId" clId="{D442B412-F5AE-4336-9B79-B9097FA83DE8}" dt="2022-07-16T08:44:56.037" v="137" actId="27636"/>
+        <pc:sldMkLst>
+          <pc:docMk/>
+          <pc:sldMk cId="2363935848" sldId="262"/>
+        </pc:sldMkLst>
+        <pc:spChg chg="mod">
+          <ac:chgData name="Tom" userId="aa110e693df5fd91" providerId="LiveId" clId="{D442B412-F5AE-4336-9B79-B9097FA83DE8}" dt="2022-07-16T08:44:32.858" v="133" actId="113"/>
+          <ac:spMkLst>
+            <pc:docMk/>
+            <pc:sldMk cId="2363935848" sldId="262"/>
+            <ac:spMk id="2" creationId="{67DDC223-DC4B-C9F8-9F1E-9C1C8E5BEB74}"/>
+          </ac:spMkLst>
+        </pc:spChg>
+        <pc:spChg chg="mod">
+          <ac:chgData name="Tom" userId="aa110e693df5fd91" providerId="LiveId" clId="{D442B412-F5AE-4336-9B79-B9097FA83DE8}" dt="2022-07-16T08:44:56.037" v="137" actId="27636"/>
+          <ac:spMkLst>
+            <pc:docMk/>
+            <pc:sldMk cId="2363935848" sldId="262"/>
+            <ac:spMk id="3" creationId="{45CF6DFE-163D-88D2-01AA-8DF6E294EF0B}"/>
+          </ac:spMkLst>
+        </pc:spChg>
+      </pc:sldChg>
+      <pc:sldChg chg="addSp delSp modSp new mod setBg">
+        <pc:chgData name="Tom" userId="aa110e693df5fd91" providerId="LiveId" clId="{D442B412-F5AE-4336-9B79-B9097FA83DE8}" dt="2022-07-16T08:50:58.969" v="203" actId="20577"/>
+        <pc:sldMkLst>
+          <pc:docMk/>
+          <pc:sldMk cId="3003168428" sldId="263"/>
+        </pc:sldMkLst>
+        <pc:spChg chg="mod">
+          <ac:chgData name="Tom" userId="aa110e693df5fd91" providerId="LiveId" clId="{D442B412-F5AE-4336-9B79-B9097FA83DE8}" dt="2022-07-16T08:50:58.969" v="203" actId="20577"/>
+          <ac:spMkLst>
+            <pc:docMk/>
+            <pc:sldMk cId="3003168428" sldId="263"/>
+            <ac:spMk id="2" creationId="{FF3751EA-20DB-9FE6-A1A4-AE74C7AF9BB7}"/>
+          </ac:spMkLst>
+        </pc:spChg>
+        <pc:spChg chg="del">
+          <ac:chgData name="Tom" userId="aa110e693df5fd91" providerId="LiveId" clId="{D442B412-F5AE-4336-9B79-B9097FA83DE8}" dt="2022-07-16T08:48:36.172" v="157" actId="22"/>
+          <ac:spMkLst>
+            <pc:docMk/>
+            <pc:sldMk cId="3003168428" sldId="263"/>
+            <ac:spMk id="3" creationId="{BE65CE30-0A3B-C430-F33E-2F1435647278}"/>
+          </ac:spMkLst>
+        </pc:spChg>
+        <pc:spChg chg="add">
+          <ac:chgData name="Tom" userId="aa110e693df5fd91" providerId="LiveId" clId="{D442B412-F5AE-4336-9B79-B9097FA83DE8}" dt="2022-07-16T08:48:46.212" v="158" actId="26606"/>
+          <ac:spMkLst>
+            <pc:docMk/>
+            <pc:sldMk cId="3003168428" sldId="263"/>
+            <ac:spMk id="10" creationId="{A8384FB5-9ADC-4DDC-881B-597D56F5B15D}"/>
+          </ac:spMkLst>
+        </pc:spChg>
+        <pc:spChg chg="add">
+          <ac:chgData name="Tom" userId="aa110e693df5fd91" providerId="LiveId" clId="{D442B412-F5AE-4336-9B79-B9097FA83DE8}" dt="2022-07-16T08:48:46.212" v="158" actId="26606"/>
+          <ac:spMkLst>
+            <pc:docMk/>
+            <pc:sldMk cId="3003168428" sldId="263"/>
+            <ac:spMk id="12" creationId="{91E5A9A7-95C6-4F4F-B00E-C82E07FE62EF}"/>
+          </ac:spMkLst>
+        </pc:spChg>
+        <pc:spChg chg="add">
+          <ac:chgData name="Tom" userId="aa110e693df5fd91" providerId="LiveId" clId="{D442B412-F5AE-4336-9B79-B9097FA83DE8}" dt="2022-07-16T08:48:46.212" v="158" actId="26606"/>
+          <ac:spMkLst>
+            <pc:docMk/>
+            <pc:sldMk cId="3003168428" sldId="263"/>
+            <ac:spMk id="14" creationId="{D07DD2DE-F619-49DD-B5E7-03A290FF4ED1}"/>
+          </ac:spMkLst>
+        </pc:spChg>
+        <pc:spChg chg="add">
+          <ac:chgData name="Tom" userId="aa110e693df5fd91" providerId="LiveId" clId="{D442B412-F5AE-4336-9B79-B9097FA83DE8}" dt="2022-07-16T08:48:46.212" v="158" actId="26606"/>
+          <ac:spMkLst>
+            <pc:docMk/>
+            <pc:sldMk cId="3003168428" sldId="263"/>
+            <ac:spMk id="16" creationId="{85149191-5F60-4A28-AAFF-039F96B0F3EC}"/>
+          </ac:spMkLst>
+        </pc:spChg>
+        <pc:spChg chg="add">
+          <ac:chgData name="Tom" userId="aa110e693df5fd91" providerId="LiveId" clId="{D442B412-F5AE-4336-9B79-B9097FA83DE8}" dt="2022-07-16T08:48:46.212" v="158" actId="26606"/>
+          <ac:spMkLst>
+            <pc:docMk/>
+            <pc:sldMk cId="3003168428" sldId="263"/>
+            <ac:spMk id="18" creationId="{F8260ED5-17F7-4158-B241-D51DD4CF1B7E}"/>
+          </ac:spMkLst>
+        </pc:spChg>
+        <pc:picChg chg="add mod ord">
+          <ac:chgData name="Tom" userId="aa110e693df5fd91" providerId="LiveId" clId="{D442B412-F5AE-4336-9B79-B9097FA83DE8}" dt="2022-07-16T08:48:52.154" v="159" actId="27614"/>
+          <ac:picMkLst>
+            <pc:docMk/>
+            <pc:sldMk cId="3003168428" sldId="263"/>
+            <ac:picMk id="5" creationId="{7BD0B04B-2FB3-980A-5871-0737E81D9309}"/>
+          </ac:picMkLst>
+        </pc:picChg>
+      </pc:sldChg>
+    </pc:docChg>
+  </pc:docChgLst>
+</pc:chgInfo>
 </file>
 
 <file path=ppt/slideLayouts/slideLayout1.xml><?xml version="1.0" encoding="utf-8"?>
@@ -258,7 +397,7 @@
           <a:p>
             <a:fld id="{EED1C14C-A143-42F5-B247-D0E800131009}" type="datetimeFigureOut">
               <a:rPr lang="en-US" smtClean="0"/>
-              <a:t>8/15/2018</a:t>
+              <a:t>7/16/2022</a:t>
             </a:fld>
             <a:endParaRPr lang="en-US"/>
           </a:p>
@@ -456,7 +595,7 @@
           <a:p>
             <a:fld id="{EED1C14C-A143-42F5-B247-D0E800131009}" type="datetimeFigureOut">
               <a:rPr lang="en-US" smtClean="0"/>
-              <a:t>8/15/2018</a:t>
+              <a:t>7/16/2022</a:t>
             </a:fld>
             <a:endParaRPr lang="en-US"/>
           </a:p>
@@ -664,7 +803,7 @@
           <a:p>
             <a:fld id="{EED1C14C-A143-42F5-B247-D0E800131009}" type="datetimeFigureOut">
               <a:rPr lang="en-US" smtClean="0"/>
-              <a:t>8/15/2018</a:t>
+              <a:t>7/16/2022</a:t>
             </a:fld>
             <a:endParaRPr lang="en-US"/>
           </a:p>
@@ -862,7 +1001,7 @@
           <a:p>
             <a:fld id="{EED1C14C-A143-42F5-B247-D0E800131009}" type="datetimeFigureOut">
               <a:rPr lang="en-US" smtClean="0"/>
-              <a:t>8/15/2018</a:t>
+              <a:t>7/16/2022</a:t>
             </a:fld>
             <a:endParaRPr lang="en-US"/>
           </a:p>
@@ -1137,7 +1276,7 @@
           <a:p>
             <a:fld id="{EED1C14C-A143-42F5-B247-D0E800131009}" type="datetimeFigureOut">
               <a:rPr lang="en-US" smtClean="0"/>
-              <a:t>8/15/2018</a:t>
+              <a:t>7/16/2022</a:t>
             </a:fld>
             <a:endParaRPr lang="en-US"/>
           </a:p>
@@ -1402,7 +1541,7 @@
           <a:p>
             <a:fld id="{EED1C14C-A143-42F5-B247-D0E800131009}" type="datetimeFigureOut">
               <a:rPr lang="en-US" smtClean="0"/>
-              <a:t>8/15/2018</a:t>
+              <a:t>7/16/2022</a:t>
             </a:fld>
             <a:endParaRPr lang="en-US"/>
           </a:p>
@@ -1814,7 +1953,7 @@
           <a:p>
             <a:fld id="{EED1C14C-A143-42F5-B247-D0E800131009}" type="datetimeFigureOut">
               <a:rPr lang="en-US" smtClean="0"/>
-              <a:t>8/15/2018</a:t>
+              <a:t>7/16/2022</a:t>
             </a:fld>
             <a:endParaRPr lang="en-US"/>
           </a:p>
@@ -1955,7 +2094,7 @@
           <a:p>
             <a:fld id="{EED1C14C-A143-42F5-B247-D0E800131009}" type="datetimeFigureOut">
               <a:rPr lang="en-US" smtClean="0"/>
-              <a:t>8/15/2018</a:t>
+              <a:t>7/16/2022</a:t>
             </a:fld>
             <a:endParaRPr lang="en-US"/>
           </a:p>
@@ -2068,7 +2207,7 @@
           <a:p>
             <a:fld id="{EED1C14C-A143-42F5-B247-D0E800131009}" type="datetimeFigureOut">
               <a:rPr lang="en-US" smtClean="0"/>
-              <a:t>8/15/2018</a:t>
+              <a:t>7/16/2022</a:t>
             </a:fld>
             <a:endParaRPr lang="en-US"/>
           </a:p>
@@ -2379,7 +2518,7 @@
           <a:p>
             <a:fld id="{EED1C14C-A143-42F5-B247-D0E800131009}" type="datetimeFigureOut">
               <a:rPr lang="en-US" smtClean="0"/>
-              <a:t>8/15/2018</a:t>
+              <a:t>7/16/2022</a:t>
             </a:fld>
             <a:endParaRPr lang="en-US"/>
           </a:p>
@@ -2667,7 +2806,7 @@
           <a:p>
             <a:fld id="{EED1C14C-A143-42F5-B247-D0E800131009}" type="datetimeFigureOut">
               <a:rPr lang="en-US" smtClean="0"/>
-              <a:t>8/15/2018</a:t>
+              <a:t>7/16/2022</a:t>
             </a:fld>
             <a:endParaRPr lang="en-US"/>
           </a:p>
@@ -2908,7 +3047,7 @@
           <a:p>
             <a:fld id="{EED1C14C-A143-42F5-B247-D0E800131009}" type="datetimeFigureOut">
               <a:rPr lang="en-US" smtClean="0"/>
-              <a:t>8/15/2018</a:t>
+              <a:t>7/16/2022</a:t>
             </a:fld>
             <a:endParaRPr lang="en-US"/>
           </a:p>
@@ -3309,7 +3448,7 @@
 </file>
 
 <file path=ppt/slides/slide1.xml><?xml version="1.0" encoding="utf-8"?>
-<p:sld xmlns:a="http://schemas.openxmlformats.org/drawingml/2006/main" xmlns:p="http://schemas.openxmlformats.org/presentationml/2006/main" xmlns:r="http://schemas.openxmlformats.org/officeDocument/2006/relationships">
+<p:sld xmlns:a="http://schemas.openxmlformats.org/drawingml/2006/main" xmlns:r="http://schemas.openxmlformats.org/officeDocument/2006/relationships" xmlns:p="http://schemas.openxmlformats.org/presentationml/2006/main">
   <p:cSld>
     <p:spTree>
       <p:nvGrpSpPr>
@@ -3327,57 +3466,80 @@
       </p:grpSpPr>
       <p:sp>
         <p:nvSpPr>
-          <p:cNvPr id="0" name="slide1">
-            <a:extLst>
-              <a:ext uri="{FF2B5EF4-FFF2-40B4-BE49-F238E27FC236}">
-                <a16:creationId xmlns:a16="http://schemas.microsoft.com/office/drawing/2014/main" id="{F72D086C-10F6-43A1-95C9-F4937BFE590B}"/>
-              </a:ext>
-            </a:extLst>
-          </p:cNvPr>
-          <p:cNvSpPr>
-            <a:spLocks noGrp="1"/>
-          </p:cNvSpPr>
-          <p:nvPr>
-            <p:ph idx="0" type="ctrTitle"/>
+          <p:cNvPr id="2" name="slide1">
+            <a:extLst>
+              <a:ext uri="{FF2B5EF4-FFF2-40B4-BE49-F238E27FC236}">
+                <a16:creationId xmlns:a16="http://schemas.microsoft.com/office/drawing/2014/main" id="{1F9E6674-B409-4523-B0B6-D8169FD08949}"/>
+              </a:ext>
+            </a:extLst>
+          </p:cNvPr>
+          <p:cNvSpPr>
+            <a:spLocks noGrp="1"/>
+          </p:cNvSpPr>
+          <p:nvPr>
+            <p:ph type="ctrTitle"/>
           </p:nvPr>
         </p:nvSpPr>
         <p:spPr/>
         <p:txBody>
+          <a:bodyPr>
+            <a:normAutofit/>
+          </a:bodyPr>
+          <a:lstStyle/>
+          <a:p>
+            <a:r>
+              <a:rPr sz="4400" dirty="0">
+                <a:latin typeface="Times New Roman" panose="02020603050405020304" pitchFamily="18" charset="0"/>
+                <a:cs typeface="Times New Roman" panose="02020603050405020304" pitchFamily="18" charset="0"/>
+              </a:rPr>
+              <a:t>MBJ </a:t>
+            </a:r>
+            <a:r>
+              <a:rPr lang="en-US" sz="4400" dirty="0">
+                <a:latin typeface="Times New Roman" panose="02020603050405020304" pitchFamily="18" charset="0"/>
+                <a:cs typeface="Times New Roman" panose="02020603050405020304" pitchFamily="18" charset="0"/>
+              </a:rPr>
+              <a:t>Coffee Expansion Analysis</a:t>
+            </a:r>
+            <a:endParaRPr sz="4400" dirty="0">
+              <a:latin typeface="Times New Roman" panose="02020603050405020304" pitchFamily="18" charset="0"/>
+              <a:cs typeface="Times New Roman" panose="02020603050405020304" pitchFamily="18" charset="0"/>
+            </a:endParaRPr>
+          </a:p>
+        </p:txBody>
+      </p:sp>
+      <p:sp>
+        <p:nvSpPr>
+          <p:cNvPr id="3" name="slide1">
+            <a:extLst>
+              <a:ext uri="{FF2B5EF4-FFF2-40B4-BE49-F238E27FC236}">
+                <a16:creationId xmlns:a16="http://schemas.microsoft.com/office/drawing/2014/main" id="{84DEB317-B3CA-44E3-B425-67E7E7705C8F}"/>
+              </a:ext>
+            </a:extLst>
+          </p:cNvPr>
+          <p:cNvSpPr>
+            <a:spLocks noGrp="1"/>
+          </p:cNvSpPr>
+          <p:nvPr>
+            <p:ph type="subTitle" idx="1"/>
+          </p:nvPr>
+        </p:nvSpPr>
+        <p:spPr/>
+        <p:txBody>
           <a:bodyPr/>
           <a:lstStyle/>
           <a:p>
             <a:r>
-              <a:rPr/>
-              <a:t>MBJ Dashboard</a:t>
-            </a:r>
-          </a:p>
-        </p:txBody>
-      </p:sp>
-      <p:sp>
-        <p:nvSpPr>
-          <p:cNvPr id="1" name="slide1">
-            <a:extLst>
-              <a:ext uri="{FF2B5EF4-FFF2-40B4-BE49-F238E27FC236}">
-                <a16:creationId xmlns:a16="http://schemas.microsoft.com/office/drawing/2014/main" id="{1BE1F0C9-82A6-45E6-89AD-041C575EB32F}"/>
-              </a:ext>
-            </a:extLst>
-          </p:cNvPr>
-          <p:cNvSpPr>
-            <a:spLocks noGrp="1"/>
-          </p:cNvSpPr>
-          <p:nvPr>
-            <p:ph idx="1" type="subTitle"/>
-          </p:nvPr>
-        </p:nvSpPr>
-        <p:spPr/>
-        <p:txBody>
-          <a:bodyPr/>
-          <a:lstStyle/>
-          <a:p>
-            <a:r>
-              <a:rPr/>
-              <a:t>File created on: 7/16/2022 3:15:03 AM</a:t>
-            </a:r>
+              <a:rPr lang="en-US" dirty="0"/>
+              <a:t>By: Tom Barasa</a:t>
+            </a:r>
+          </a:p>
+          <a:p>
+            <a:r>
+              <a:rPr lang="en-US" dirty="0"/>
+              <a:t>05/10/2022</a:t>
+            </a:r>
+            <a:endParaRPr dirty="0"/>
           </a:p>
         </p:txBody>
       </p:sp>
@@ -3395,7 +3557,199 @@
 </file>
 
 <file path=ppt/slides/slide2.xml><?xml version="1.0" encoding="utf-8"?>
-<p:sld xmlns:a="http://schemas.openxmlformats.org/drawingml/2006/main" xmlns:p="http://schemas.openxmlformats.org/presentationml/2006/main" xmlns:r="http://schemas.openxmlformats.org/officeDocument/2006/relationships">
+<p:sld xmlns:a="http://schemas.openxmlformats.org/drawingml/2006/main" xmlns:r="http://schemas.openxmlformats.org/officeDocument/2006/relationships" xmlns:p="http://schemas.openxmlformats.org/presentationml/2006/main">
+  <p:cSld>
+    <p:spTree>
+      <p:nvGrpSpPr>
+        <p:cNvPr id="1" name=""/>
+        <p:cNvGrpSpPr/>
+        <p:nvPr/>
+      </p:nvGrpSpPr>
+      <p:grpSpPr>
+        <a:xfrm>
+          <a:off x="0" y="0"/>
+          <a:ext cx="0" cy="0"/>
+          <a:chOff x="0" y="0"/>
+          <a:chExt cx="0" cy="0"/>
+        </a:xfrm>
+      </p:grpSpPr>
+      <p:sp>
+        <p:nvSpPr>
+          <p:cNvPr id="2" name="Title 1">
+            <a:extLst>
+              <a:ext uri="{FF2B5EF4-FFF2-40B4-BE49-F238E27FC236}">
+                <a16:creationId xmlns:a16="http://schemas.microsoft.com/office/drawing/2014/main" id="{67DDC223-DC4B-C9F8-9F1E-9C1C8E5BEB74}"/>
+              </a:ext>
+            </a:extLst>
+          </p:cNvPr>
+          <p:cNvSpPr>
+            <a:spLocks noGrp="1"/>
+          </p:cNvSpPr>
+          <p:nvPr>
+            <p:ph type="title"/>
+          </p:nvPr>
+        </p:nvSpPr>
+        <p:spPr/>
+        <p:txBody>
+          <a:bodyPr>
+            <a:normAutofit/>
+          </a:bodyPr>
+          <a:lstStyle/>
+          <a:p>
+            <a:r>
+              <a:rPr lang="en-US" sz="2400" b="1" dirty="0">
+                <a:latin typeface="Times New Roman" panose="02020603050405020304" pitchFamily="18" charset="0"/>
+                <a:cs typeface="Times New Roman" panose="02020603050405020304" pitchFamily="18" charset="0"/>
+              </a:rPr>
+              <a:t>MBJ Coffee Expansion Analysis</a:t>
+            </a:r>
+          </a:p>
+        </p:txBody>
+      </p:sp>
+      <p:sp>
+        <p:nvSpPr>
+          <p:cNvPr id="3" name="Content Placeholder 2">
+            <a:extLst>
+              <a:ext uri="{FF2B5EF4-FFF2-40B4-BE49-F238E27FC236}">
+                <a16:creationId xmlns:a16="http://schemas.microsoft.com/office/drawing/2014/main" id="{45CF6DFE-163D-88D2-01AA-8DF6E294EF0B}"/>
+              </a:ext>
+            </a:extLst>
+          </p:cNvPr>
+          <p:cNvSpPr>
+            <a:spLocks noGrp="1"/>
+          </p:cNvSpPr>
+          <p:nvPr>
+            <p:ph idx="1"/>
+          </p:nvPr>
+        </p:nvSpPr>
+        <p:spPr/>
+        <p:txBody>
+          <a:bodyPr>
+            <a:normAutofit fontScale="62500" lnSpcReduction="20000"/>
+          </a:bodyPr>
+          <a:lstStyle/>
+          <a:p>
+            <a:pPr marL="0" indent="0">
+              <a:lnSpc>
+                <a:spcPct val="150000"/>
+              </a:lnSpc>
+              <a:buNone/>
+            </a:pPr>
+            <a:r>
+              <a:rPr lang="en-US" sz="2500" dirty="0">
+                <a:latin typeface="Times New Roman" panose="02020603050405020304" pitchFamily="18" charset="0"/>
+                <a:cs typeface="Times New Roman" panose="02020603050405020304" pitchFamily="18" charset="0"/>
+              </a:rPr>
+              <a:t>MBJ Coffee shop, is a relatively small company which can’t compete with big players in the current market. The company’s strategy is to build a vast network of shops in  smaller cities. MBJ Coffee shop already has a strong presence in 140 locations and recently opened stores in 10 new cities. Additionally, the company has two separate sales regions.</a:t>
+            </a:r>
+          </a:p>
+          <a:p>
+            <a:pPr marL="0" indent="0">
+              <a:lnSpc>
+                <a:spcPct val="150000"/>
+              </a:lnSpc>
+              <a:buNone/>
+            </a:pPr>
+            <a:r>
+              <a:rPr lang="en-US" sz="2500" dirty="0">
+                <a:latin typeface="Times New Roman" panose="02020603050405020304" pitchFamily="18" charset="0"/>
+                <a:cs typeface="Times New Roman" panose="02020603050405020304" pitchFamily="18" charset="0"/>
+              </a:rPr>
+              <a:t>The company wants to:</a:t>
+            </a:r>
+          </a:p>
+          <a:p>
+            <a:pPr marL="0" indent="0">
+              <a:lnSpc>
+                <a:spcPct val="150000"/>
+              </a:lnSpc>
+              <a:buNone/>
+            </a:pPr>
+            <a:r>
+              <a:rPr lang="en-US" sz="2500" dirty="0">
+                <a:latin typeface="Times New Roman" panose="02020603050405020304" pitchFamily="18" charset="0"/>
+                <a:cs typeface="Times New Roman" panose="02020603050405020304" pitchFamily="18" charset="0"/>
+              </a:rPr>
+              <a:t>1) Identify which of the two sales regions is performing better (outperforming the other in 2 of the following 3 metrics).</a:t>
+            </a:r>
+          </a:p>
+          <a:p>
+            <a:pPr>
+              <a:lnSpc>
+                <a:spcPct val="150000"/>
+              </a:lnSpc>
+            </a:pPr>
+            <a:r>
+              <a:rPr lang="en-US" sz="2500" dirty="0">
+                <a:latin typeface="Times New Roman" panose="02020603050405020304" pitchFamily="18" charset="0"/>
+                <a:cs typeface="Times New Roman" panose="02020603050405020304" pitchFamily="18" charset="0"/>
+              </a:rPr>
+              <a:t>Average Revenue per City.</a:t>
+            </a:r>
+          </a:p>
+          <a:p>
+            <a:pPr>
+              <a:lnSpc>
+                <a:spcPct val="150000"/>
+              </a:lnSpc>
+            </a:pPr>
+            <a:r>
+              <a:rPr lang="en-US" sz="2500" dirty="0">
+                <a:latin typeface="Times New Roman" panose="02020603050405020304" pitchFamily="18" charset="0"/>
+                <a:cs typeface="Times New Roman" panose="02020603050405020304" pitchFamily="18" charset="0"/>
+              </a:rPr>
+              <a:t>Average Marketing spend per city(tip- less is better).</a:t>
+            </a:r>
+          </a:p>
+          <a:p>
+            <a:pPr>
+              <a:lnSpc>
+                <a:spcPct val="150000"/>
+              </a:lnSpc>
+            </a:pPr>
+            <a:r>
+              <a:rPr lang="en-US" sz="2500" dirty="0">
+                <a:latin typeface="Times New Roman" panose="02020603050405020304" pitchFamily="18" charset="0"/>
+                <a:cs typeface="Times New Roman" panose="02020603050405020304" pitchFamily="18" charset="0"/>
+              </a:rPr>
+              <a:t>Average ROMI (Return on Marketing Investment) per city. Calculated as (revenue/marketing spend).</a:t>
+            </a:r>
+          </a:p>
+          <a:p>
+            <a:pPr marL="0" indent="0">
+              <a:lnSpc>
+                <a:spcPct val="150000"/>
+              </a:lnSpc>
+              <a:buNone/>
+            </a:pPr>
+            <a:r>
+              <a:rPr lang="en-US" sz="2500" dirty="0">
+                <a:latin typeface="Times New Roman" panose="02020603050405020304" pitchFamily="18" charset="0"/>
+                <a:cs typeface="Times New Roman" panose="02020603050405020304" pitchFamily="18" charset="0"/>
+              </a:rPr>
+              <a:t>2). Identify which of the 10 new locations have the best potential for the company to invest more funds into marketing.</a:t>
+            </a:r>
+          </a:p>
+          <a:p>
+            <a:endParaRPr lang="en-US" dirty="0"/>
+          </a:p>
+        </p:txBody>
+      </p:sp>
+    </p:spTree>
+    <p:extLst>
+      <p:ext uri="{BB962C8B-B14F-4D97-AF65-F5344CB8AC3E}">
+        <p14:creationId xmlns:p14="http://schemas.microsoft.com/office/powerpoint/2010/main" val="2363935848"/>
+      </p:ext>
+    </p:extLst>
+  </p:cSld>
+  <p:clrMapOvr>
+    <a:masterClrMapping/>
+  </p:clrMapOvr>
+</p:sld>
+</file>
+
+<file path=ppt/slides/slide3.xml><?xml version="1.0" encoding="utf-8"?>
+<p:sld xmlns:a="http://schemas.openxmlformats.org/drawingml/2006/main" xmlns:r="http://schemas.openxmlformats.org/officeDocument/2006/relationships" xmlns:p="http://schemas.openxmlformats.org/presentationml/2006/main">
   <p:cSld>
     <p:spTree>
       <p:nvGrpSpPr>
@@ -3413,10 +3767,10 @@
       </p:grpSpPr>
       <p:pic>
         <p:nvPicPr>
-          <p:cNvPr descr="MBJ Storyline3" id="2" name="slide2">
-            <a:extLst>
-              <a:ext uri="{FF2B5EF4-FFF2-40B4-BE49-F238E27FC236}">
-                <a16:creationId xmlns:a16="http://schemas.microsoft.com/office/drawing/2014/main" id="{87D5467F-78CC-4330-B08E-D9C0C1B231E3}"/>
+          <p:cNvPr id="2" name="slide2" descr="MBJ Storyline3">
+            <a:extLst>
+              <a:ext uri="{FF2B5EF4-FFF2-40B4-BE49-F238E27FC236}">
+                <a16:creationId xmlns:a16="http://schemas.microsoft.com/office/drawing/2014/main" id="{9409DB6E-D2B1-4A76-8386-2B0BCD0A651F}"/>
               </a:ext>
             </a:extLst>
           </p:cNvPr>
@@ -3426,73 +3780,7 @@
           <p:nvPr/>
         </p:nvPicPr>
         <p:blipFill>
-          <a:blip r:embed="rId7">
-            <a:extLst>
-              <a:ext uri="{28A0092B-C50C-407E-A947-70E740481C1C}">
-                <a14:useLocalDpi xmlns:a14="http://schemas.microsoft.com/office/drawing/2010/main" val="0"/>
-              </a:ext>
-            </a:extLst>
-          </a:blip>
-          <a:stretch>
-            <a:fillRect/>
-          </a:stretch>
-        </p:blipFill>
-        <p:spPr>
-          <a:xfrm>
-            <a:off x="1210319" y="0"/>
-            <a:ext cx="9771361" cy="6858000"/>
-          </a:xfrm>
-          <a:prstGeom prst="rect">
-            <a:avLst/>
-          </a:prstGeom>
-        </p:spPr>
-      </p:pic>
-    </p:spTree>
-    <p:extLst>
-      <p:ext uri="{BB962C8B-B14F-4D97-AF65-F5344CB8AC3E}">
-        <p14:creationId xmlns:p14="http://schemas.microsoft.com/office/powerpoint/2010/main" val="95992585"/>
-      </p:ext>
-    </p:extLst>
-  </p:cSld>
-  <p:clrMapOvr>
-    <a:masterClrMapping/>
-  </p:clrMapOvr>
-</p:sld>
-</file>
-
-<file path=ppt/slides/slide3.xml><?xml version="1.0" encoding="utf-8"?>
-<p:sld xmlns:a="http://schemas.openxmlformats.org/drawingml/2006/main" xmlns:p="http://schemas.openxmlformats.org/presentationml/2006/main" xmlns:r="http://schemas.openxmlformats.org/officeDocument/2006/relationships">
-  <p:cSld>
-    <p:spTree>
-      <p:nvGrpSpPr>
-        <p:cNvPr id="1" name=""/>
-        <p:cNvGrpSpPr/>
-        <p:nvPr/>
-      </p:nvGrpSpPr>
-      <p:grpSpPr>
-        <a:xfrm>
-          <a:off x="0" y="0"/>
-          <a:ext cx="0" cy="0"/>
-          <a:chOff x="0" y="0"/>
-          <a:chExt cx="0" cy="0"/>
-        </a:xfrm>
-      </p:grpSpPr>
-      <p:pic>
-        <p:nvPicPr>
-          <p:cNvPr descr="MBJ Storyline4" id="3" name="slide3">
-            <a:extLst>
-              <a:ext uri="{FF2B5EF4-FFF2-40B4-BE49-F238E27FC236}">
-                <a16:creationId xmlns:a16="http://schemas.microsoft.com/office/drawing/2014/main" id="{098F8591-FB80-4B06-A2D0-1AA050B796EB}"/>
-              </a:ext>
-            </a:extLst>
-          </p:cNvPr>
-          <p:cNvPicPr>
-            <a:picLocks noChangeAspect="1"/>
-          </p:cNvPicPr>
-          <p:nvPr/>
-        </p:nvPicPr>
-        <p:blipFill>
-          <a:blip r:embed="rId8">
+          <a:blip r:embed="rId2">
             <a:extLst>
               <a:ext uri="{28A0092B-C50C-407E-A947-70E740481C1C}">
                 <a14:useLocalDpi xmlns:a14="http://schemas.microsoft.com/office/drawing/2010/main" val="0"/>
@@ -3527,7 +3815,7 @@
 </file>
 
 <file path=ppt/slides/slide4.xml><?xml version="1.0" encoding="utf-8"?>
-<p:sld xmlns:a="http://schemas.openxmlformats.org/drawingml/2006/main" xmlns:p="http://schemas.openxmlformats.org/presentationml/2006/main" xmlns:r="http://schemas.openxmlformats.org/officeDocument/2006/relationships">
+<p:sld xmlns:a="http://schemas.openxmlformats.org/drawingml/2006/main" xmlns:r="http://schemas.openxmlformats.org/officeDocument/2006/relationships" xmlns:p="http://schemas.openxmlformats.org/presentationml/2006/main">
   <p:cSld>
     <p:spTree>
       <p:nvGrpSpPr>
@@ -3545,10 +3833,10 @@
       </p:grpSpPr>
       <p:pic>
         <p:nvPicPr>
-          <p:cNvPr descr="MBJ Storyline5" id="4" name="slide4">
-            <a:extLst>
-              <a:ext uri="{FF2B5EF4-FFF2-40B4-BE49-F238E27FC236}">
-                <a16:creationId xmlns:a16="http://schemas.microsoft.com/office/drawing/2014/main" id="{74A0AD2D-5CB0-4F68-AA51-AC6D02FD4B27}"/>
+          <p:cNvPr id="3" name="slide3" descr="MBJ Storyline7">
+            <a:extLst>
+              <a:ext uri="{FF2B5EF4-FFF2-40B4-BE49-F238E27FC236}">
+                <a16:creationId xmlns:a16="http://schemas.microsoft.com/office/drawing/2014/main" id="{79160963-B9E1-4F7F-82AC-49025DC7ED1B}"/>
               </a:ext>
             </a:extLst>
           </p:cNvPr>
@@ -3558,7 +3846,7 @@
           <p:nvPr/>
         </p:nvPicPr>
         <p:blipFill>
-          <a:blip r:embed="rId9">
+          <a:blip r:embed="rId2">
             <a:extLst>
               <a:ext uri="{28A0092B-C50C-407E-A947-70E740481C1C}">
                 <a14:useLocalDpi xmlns:a14="http://schemas.microsoft.com/office/drawing/2010/main" val="0"/>
@@ -3593,7 +3881,7 @@
 </file>
 
 <file path=ppt/slides/slide5.xml><?xml version="1.0" encoding="utf-8"?>
-<p:sld xmlns:a="http://schemas.openxmlformats.org/drawingml/2006/main" xmlns:p="http://schemas.openxmlformats.org/presentationml/2006/main" xmlns:r="http://schemas.openxmlformats.org/officeDocument/2006/relationships">
+<p:sld xmlns:a="http://schemas.openxmlformats.org/drawingml/2006/main" xmlns:r="http://schemas.openxmlformats.org/officeDocument/2006/relationships" xmlns:p="http://schemas.openxmlformats.org/presentationml/2006/main">
   <p:cSld>
     <p:spTree>
       <p:nvGrpSpPr>
@@ -3611,10 +3899,10 @@
       </p:grpSpPr>
       <p:pic>
         <p:nvPicPr>
-          <p:cNvPr descr="MBJ Storyline6" id="5" name="slide5">
-            <a:extLst>
-              <a:ext uri="{FF2B5EF4-FFF2-40B4-BE49-F238E27FC236}">
-                <a16:creationId xmlns:a16="http://schemas.microsoft.com/office/drawing/2014/main" id="{A45ECA95-8763-41A0-ACE1-BED1B3F012A2}"/>
+          <p:cNvPr id="4" name="slide4" descr="MBJ Storyline4">
+            <a:extLst>
+              <a:ext uri="{FF2B5EF4-FFF2-40B4-BE49-F238E27FC236}">
+                <a16:creationId xmlns:a16="http://schemas.microsoft.com/office/drawing/2014/main" id="{5A84F83E-FCF1-4E78-B83E-A80BC2A4B2C2}"/>
               </a:ext>
             </a:extLst>
           </p:cNvPr>
@@ -3624,7 +3912,7 @@
           <p:nvPr/>
         </p:nvPicPr>
         <p:blipFill>
-          <a:blip r:embed="rId10">
+          <a:blip r:embed="rId2">
             <a:extLst>
               <a:ext uri="{28A0092B-C50C-407E-A947-70E740481C1C}">
                 <a14:useLocalDpi xmlns:a14="http://schemas.microsoft.com/office/drawing/2010/main" val="0"/>
@@ -3658,7 +3946,7 @@
 </p:sld>
 </file>
 
-<file path=ppt/slides/slideTemplate.xml><?xml version="1.0" encoding="utf-8"?>
+<file path=ppt/slides/slide6.xml><?xml version="1.0" encoding="utf-8"?>
 <p:sld xmlns:a="http://schemas.openxmlformats.org/drawingml/2006/main" xmlns:r="http://schemas.openxmlformats.org/officeDocument/2006/relationships" xmlns:p="http://schemas.openxmlformats.org/presentationml/2006/main">
   <p:cSld>
     <p:spTree>
@@ -3675,10 +3963,755 @@
           <a:chExt cx="0" cy="0"/>
         </a:xfrm>
       </p:grpSpPr>
+      <p:pic>
+        <p:nvPicPr>
+          <p:cNvPr id="5" name="slide5" descr="MBJ Storyline5">
+            <a:extLst>
+              <a:ext uri="{FF2B5EF4-FFF2-40B4-BE49-F238E27FC236}">
+                <a16:creationId xmlns:a16="http://schemas.microsoft.com/office/drawing/2014/main" id="{968E9B70-91C1-4EE0-AF93-DE66B49083B2}"/>
+              </a:ext>
+            </a:extLst>
+          </p:cNvPr>
+          <p:cNvPicPr>
+            <a:picLocks noChangeAspect="1"/>
+          </p:cNvPicPr>
+          <p:nvPr/>
+        </p:nvPicPr>
+        <p:blipFill>
+          <a:blip r:embed="rId2">
+            <a:extLst>
+              <a:ext uri="{28A0092B-C50C-407E-A947-70E740481C1C}">
+                <a14:useLocalDpi xmlns:a14="http://schemas.microsoft.com/office/drawing/2010/main" val="0"/>
+              </a:ext>
+            </a:extLst>
+          </a:blip>
+          <a:stretch>
+            <a:fillRect/>
+          </a:stretch>
+        </p:blipFill>
+        <p:spPr>
+          <a:xfrm>
+            <a:off x="1210319" y="0"/>
+            <a:ext cx="9771361" cy="6858000"/>
+          </a:xfrm>
+          <a:prstGeom prst="rect">
+            <a:avLst/>
+          </a:prstGeom>
+        </p:spPr>
+      </p:pic>
     </p:spTree>
     <p:extLst>
       <p:ext uri="{BB962C8B-B14F-4D97-AF65-F5344CB8AC3E}">
         <p14:creationId xmlns:p14="http://schemas.microsoft.com/office/powerpoint/2010/main" val="95992585"/>
+      </p:ext>
+    </p:extLst>
+  </p:cSld>
+  <p:clrMapOvr>
+    <a:masterClrMapping/>
+  </p:clrMapOvr>
+</p:sld>
+</file>
+
+<file path=ppt/slides/slide7.xml><?xml version="1.0" encoding="utf-8"?>
+<p:sld xmlns:a="http://schemas.openxmlformats.org/drawingml/2006/main" xmlns:r="http://schemas.openxmlformats.org/officeDocument/2006/relationships" xmlns:p="http://schemas.openxmlformats.org/presentationml/2006/main">
+  <p:cSld>
+    <p:spTree>
+      <p:nvGrpSpPr>
+        <p:cNvPr id="1" name=""/>
+        <p:cNvGrpSpPr/>
+        <p:nvPr/>
+      </p:nvGrpSpPr>
+      <p:grpSpPr>
+        <a:xfrm>
+          <a:off x="0" y="0"/>
+          <a:ext cx="0" cy="0"/>
+          <a:chOff x="0" y="0"/>
+          <a:chExt cx="0" cy="0"/>
+        </a:xfrm>
+      </p:grpSpPr>
+      <p:pic>
+        <p:nvPicPr>
+          <p:cNvPr id="6" name="slide6" descr="MBJ Storyline6">
+            <a:extLst>
+              <a:ext uri="{FF2B5EF4-FFF2-40B4-BE49-F238E27FC236}">
+                <a16:creationId xmlns:a16="http://schemas.microsoft.com/office/drawing/2014/main" id="{6350BA8C-DE7E-4D36-A7A1-C68834BA3E9C}"/>
+              </a:ext>
+            </a:extLst>
+          </p:cNvPr>
+          <p:cNvPicPr>
+            <a:picLocks noChangeAspect="1"/>
+          </p:cNvPicPr>
+          <p:nvPr/>
+        </p:nvPicPr>
+        <p:blipFill>
+          <a:blip r:embed="rId2">
+            <a:extLst>
+              <a:ext uri="{28A0092B-C50C-407E-A947-70E740481C1C}">
+                <a14:useLocalDpi xmlns:a14="http://schemas.microsoft.com/office/drawing/2010/main" val="0"/>
+              </a:ext>
+            </a:extLst>
+          </a:blip>
+          <a:stretch>
+            <a:fillRect/>
+          </a:stretch>
+        </p:blipFill>
+        <p:spPr>
+          <a:xfrm>
+            <a:off x="1210319" y="0"/>
+            <a:ext cx="9771361" cy="6858000"/>
+          </a:xfrm>
+          <a:prstGeom prst="rect">
+            <a:avLst/>
+          </a:prstGeom>
+        </p:spPr>
+      </p:pic>
+    </p:spTree>
+    <p:extLst>
+      <p:ext uri="{BB962C8B-B14F-4D97-AF65-F5344CB8AC3E}">
+        <p14:creationId xmlns:p14="http://schemas.microsoft.com/office/powerpoint/2010/main" val="95992585"/>
+      </p:ext>
+    </p:extLst>
+  </p:cSld>
+  <p:clrMapOvr>
+    <a:masterClrMapping/>
+  </p:clrMapOvr>
+</p:sld>
+</file>
+
+<file path=ppt/slides/slide8.xml><?xml version="1.0" encoding="utf-8"?>
+<p:sld xmlns:a="http://schemas.openxmlformats.org/drawingml/2006/main" xmlns:r="http://schemas.openxmlformats.org/officeDocument/2006/relationships" xmlns:p="http://schemas.openxmlformats.org/presentationml/2006/main">
+  <p:cSld>
+    <p:bg>
+      <p:bgPr>
+        <a:solidFill>
+          <a:schemeClr val="bg1"/>
+        </a:solidFill>
+        <a:effectLst/>
+      </p:bgPr>
+    </p:bg>
+    <p:spTree>
+      <p:nvGrpSpPr>
+        <p:cNvPr id="1" name=""/>
+        <p:cNvGrpSpPr/>
+        <p:nvPr/>
+      </p:nvGrpSpPr>
+      <p:grpSpPr>
+        <a:xfrm>
+          <a:off x="0" y="0"/>
+          <a:ext cx="0" cy="0"/>
+          <a:chOff x="0" y="0"/>
+          <a:chExt cx="0" cy="0"/>
+        </a:xfrm>
+      </p:grpSpPr>
+      <p:sp useBgFill="1">
+        <p:nvSpPr>
+          <p:cNvPr id="10" name="Rectangle 9">
+            <a:extLst>
+              <a:ext uri="{FF2B5EF4-FFF2-40B4-BE49-F238E27FC236}">
+                <a16:creationId xmlns:a16="http://schemas.microsoft.com/office/drawing/2014/main" id="{A8384FB5-9ADC-4DDC-881B-597D56F5B15D}"/>
+              </a:ext>
+              <a:ext uri="{C183D7F6-B498-43B3-948B-1728B52AA6E4}">
+                <adec:decorative xmlns:adec="http://schemas.microsoft.com/office/drawing/2017/decorative" val="1"/>
+              </a:ext>
+            </a:extLst>
+          </p:cNvPr>
+          <p:cNvSpPr>
+            <a:spLocks noGrp="1" noRot="1" noChangeAspect="1" noMove="1" noResize="1" noEditPoints="1" noAdjustHandles="1" noChangeArrowheads="1" noChangeShapeType="1" noTextEdit="1"/>
+          </p:cNvSpPr>
+          <p:nvPr>
+            <p:extLst>
+              <p:ext uri="{386F3935-93C4-4BCD-93E2-E3B085C9AB24}">
+                <p16:designElem xmlns:p16="http://schemas.microsoft.com/office/powerpoint/2015/main" val="1"/>
+              </p:ext>
+            </p:extLst>
+          </p:nvPr>
+        </p:nvSpPr>
+        <p:spPr>
+          <a:xfrm>
+            <a:off x="0" y="0"/>
+            <a:ext cx="12192000" cy="6858000"/>
+          </a:xfrm>
+          <a:prstGeom prst="rect">
+            <a:avLst/>
+          </a:prstGeom>
+          <a:ln w="12700" cap="flat" cmpd="sng" algn="ctr">
+            <a:noFill/>
+            <a:prstDash val="solid"/>
+            <a:miter lim="800000"/>
+          </a:ln>
+          <a:effectLst/>
+          <a:extLst>
+            <a:ext uri="{91240B29-F687-4F45-9708-019B960494DF}">
+              <a14:hiddenLine xmlns:a14="http://schemas.microsoft.com/office/drawing/2010/main" w="12700" cap="flat" cmpd="sng" algn="ctr">
+                <a:solidFill>
+                  <a:schemeClr val="accent1">
+                    <a:shade val="50000"/>
+                  </a:schemeClr>
+                </a:solidFill>
+                <a:prstDash val="solid"/>
+                <a:miter lim="800000"/>
+              </a14:hiddenLine>
+            </a:ext>
+          </a:extLst>
+        </p:spPr>
+        <p:style>
+          <a:lnRef idx="2">
+            <a:schemeClr val="accent1">
+              <a:shade val="50000"/>
+            </a:schemeClr>
+          </a:lnRef>
+          <a:fillRef idx="1">
+            <a:schemeClr val="accent1"/>
+          </a:fillRef>
+          <a:effectRef idx="0">
+            <a:schemeClr val="accent1"/>
+          </a:effectRef>
+          <a:fontRef idx="minor">
+            <a:schemeClr val="lt1"/>
+          </a:fontRef>
+        </p:style>
+        <p:txBody>
+          <a:bodyPr rtlCol="0" anchor="ctr"/>
+          <a:lstStyle/>
+          <a:p>
+            <a:pPr algn="ctr"/>
+            <a:endParaRPr lang="en-US"/>
+          </a:p>
+        </p:txBody>
+      </p:sp>
+      <p:sp>
+        <p:nvSpPr>
+          <p:cNvPr id="12" name="Rectangle 11">
+            <a:extLst>
+              <a:ext uri="{FF2B5EF4-FFF2-40B4-BE49-F238E27FC236}">
+                <a16:creationId xmlns:a16="http://schemas.microsoft.com/office/drawing/2014/main" id="{91E5A9A7-95C6-4F4F-B00E-C82E07FE62EF}"/>
+              </a:ext>
+              <a:ext uri="{C183D7F6-B498-43B3-948B-1728B52AA6E4}">
+                <adec:decorative xmlns:adec="http://schemas.microsoft.com/office/drawing/2017/decorative" val="1"/>
+              </a:ext>
+            </a:extLst>
+          </p:cNvPr>
+          <p:cNvSpPr>
+            <a:spLocks noGrp="1" noRot="1" noChangeAspect="1" noMove="1" noResize="1" noEditPoints="1" noAdjustHandles="1" noChangeArrowheads="1" noChangeShapeType="1" noTextEdit="1"/>
+          </p:cNvSpPr>
+          <p:nvPr>
+            <p:extLst>
+              <p:ext uri="{386F3935-93C4-4BCD-93E2-E3B085C9AB24}">
+                <p16:designElem xmlns:p16="http://schemas.microsoft.com/office/powerpoint/2015/main" val="1"/>
+              </p:ext>
+            </p:extLst>
+          </p:nvPr>
+        </p:nvSpPr>
+        <p:spPr>
+          <a:xfrm rot="5400000" flipH="1">
+            <a:off x="-1417539" y="1417538"/>
+            <a:ext cx="6875818" cy="4040744"/>
+          </a:xfrm>
+          <a:prstGeom prst="rect">
+            <a:avLst/>
+          </a:prstGeom>
+          <a:gradFill>
+            <a:gsLst>
+              <a:gs pos="0">
+                <a:srgbClr val="000000"/>
+              </a:gs>
+              <a:gs pos="100000">
+                <a:schemeClr val="accent1">
+                  <a:lumMod val="75000"/>
+                </a:schemeClr>
+              </a:gs>
+            </a:gsLst>
+            <a:lin ang="18600000" scaled="0"/>
+          </a:gradFill>
+          <a:ln>
+            <a:noFill/>
+          </a:ln>
+        </p:spPr>
+        <p:style>
+          <a:lnRef idx="2">
+            <a:schemeClr val="accent1">
+              <a:shade val="50000"/>
+            </a:schemeClr>
+          </a:lnRef>
+          <a:fillRef idx="1">
+            <a:schemeClr val="accent1"/>
+          </a:fillRef>
+          <a:effectRef idx="0">
+            <a:schemeClr val="accent1"/>
+          </a:effectRef>
+          <a:fontRef idx="minor">
+            <a:schemeClr val="lt1"/>
+          </a:fontRef>
+        </p:style>
+        <p:txBody>
+          <a:bodyPr rtlCol="0" anchor="ctr"/>
+          <a:lstStyle/>
+          <a:p>
+            <a:pPr algn="ctr"/>
+            <a:endParaRPr lang="en-US" dirty="0"/>
+          </a:p>
+        </p:txBody>
+      </p:sp>
+      <p:sp>
+        <p:nvSpPr>
+          <p:cNvPr id="14" name="Rectangle 13">
+            <a:extLst>
+              <a:ext uri="{FF2B5EF4-FFF2-40B4-BE49-F238E27FC236}">
+                <a16:creationId xmlns:a16="http://schemas.microsoft.com/office/drawing/2014/main" id="{D07DD2DE-F619-49DD-B5E7-03A290FF4ED1}"/>
+              </a:ext>
+              <a:ext uri="{C183D7F6-B498-43B3-948B-1728B52AA6E4}">
+                <adec:decorative xmlns:adec="http://schemas.microsoft.com/office/drawing/2017/decorative" val="1"/>
+              </a:ext>
+            </a:extLst>
+          </p:cNvPr>
+          <p:cNvSpPr>
+            <a:spLocks noGrp="1" noRot="1" noChangeAspect="1" noMove="1" noResize="1" noEditPoints="1" noAdjustHandles="1" noChangeArrowheads="1" noChangeShapeType="1" noTextEdit="1"/>
+          </p:cNvSpPr>
+          <p:nvPr>
+            <p:extLst>
+              <p:ext uri="{386F3935-93C4-4BCD-93E2-E3B085C9AB24}">
+                <p16:designElem xmlns:p16="http://schemas.microsoft.com/office/powerpoint/2015/main" val="1"/>
+              </p:ext>
+            </p:extLst>
+          </p:nvPr>
+        </p:nvSpPr>
+        <p:spPr>
+          <a:xfrm rot="16200000">
+            <a:off x="-158495" y="2660473"/>
+            <a:ext cx="4355594" cy="4038603"/>
+          </a:xfrm>
+          <a:prstGeom prst="rect">
+            <a:avLst/>
+          </a:prstGeom>
+          <a:gradFill>
+            <a:gsLst>
+              <a:gs pos="0">
+                <a:schemeClr val="accent1">
+                  <a:alpha val="50000"/>
+                </a:schemeClr>
+              </a:gs>
+              <a:gs pos="100000">
+                <a:schemeClr val="accent1">
+                  <a:lumMod val="50000"/>
+                  <a:alpha val="0"/>
+                </a:schemeClr>
+              </a:gs>
+            </a:gsLst>
+            <a:lin ang="11400000" scaled="0"/>
+          </a:gradFill>
+          <a:ln>
+            <a:noFill/>
+          </a:ln>
+        </p:spPr>
+        <p:style>
+          <a:lnRef idx="2">
+            <a:schemeClr val="accent1">
+              <a:shade val="50000"/>
+            </a:schemeClr>
+          </a:lnRef>
+          <a:fillRef idx="1">
+            <a:schemeClr val="accent1"/>
+          </a:fillRef>
+          <a:effectRef idx="0">
+            <a:schemeClr val="accent1"/>
+          </a:effectRef>
+          <a:fontRef idx="minor">
+            <a:schemeClr val="lt1"/>
+          </a:fontRef>
+        </p:style>
+        <p:txBody>
+          <a:bodyPr rtlCol="0" anchor="ctr"/>
+          <a:lstStyle/>
+          <a:p>
+            <a:pPr algn="ctr"/>
+            <a:endParaRPr lang="en-US"/>
+          </a:p>
+        </p:txBody>
+      </p:sp>
+      <p:sp>
+        <p:nvSpPr>
+          <p:cNvPr id="16" name="Rectangle 15">
+            <a:extLst>
+              <a:ext uri="{FF2B5EF4-FFF2-40B4-BE49-F238E27FC236}">
+                <a16:creationId xmlns:a16="http://schemas.microsoft.com/office/drawing/2014/main" id="{85149191-5F60-4A28-AAFF-039F96B0F3EC}"/>
+              </a:ext>
+              <a:ext uri="{C183D7F6-B498-43B3-948B-1728B52AA6E4}">
+                <adec:decorative xmlns:adec="http://schemas.microsoft.com/office/drawing/2017/decorative" val="1"/>
+              </a:ext>
+            </a:extLst>
+          </p:cNvPr>
+          <p:cNvSpPr>
+            <a:spLocks noGrp="1" noRot="1" noChangeAspect="1" noMove="1" noResize="1" noEditPoints="1" noAdjustHandles="1" noChangeArrowheads="1" noChangeShapeType="1" noTextEdit="1"/>
+          </p:cNvSpPr>
+          <p:nvPr>
+            <p:extLst>
+              <p:ext uri="{386F3935-93C4-4BCD-93E2-E3B085C9AB24}">
+                <p16:designElem xmlns:p16="http://schemas.microsoft.com/office/powerpoint/2015/main" val="1"/>
+              </p:ext>
+            </p:extLst>
+          </p:nvPr>
+        </p:nvSpPr>
+        <p:spPr>
+          <a:xfrm rot="16200000" flipH="1">
+            <a:off x="-1180882" y="1638085"/>
+            <a:ext cx="6857572" cy="3581401"/>
+          </a:xfrm>
+          <a:prstGeom prst="rect">
+            <a:avLst/>
+          </a:prstGeom>
+          <a:gradFill>
+            <a:gsLst>
+              <a:gs pos="0">
+                <a:srgbClr val="000000">
+                  <a:alpha val="59000"/>
+                </a:srgbClr>
+              </a:gs>
+              <a:gs pos="69000">
+                <a:schemeClr val="accent1">
+                  <a:alpha val="0"/>
+                </a:schemeClr>
+              </a:gs>
+            </a:gsLst>
+            <a:lin ang="13200000" scaled="0"/>
+          </a:gradFill>
+          <a:ln>
+            <a:noFill/>
+          </a:ln>
+        </p:spPr>
+        <p:style>
+          <a:lnRef idx="2">
+            <a:schemeClr val="accent1">
+              <a:shade val="50000"/>
+            </a:schemeClr>
+          </a:lnRef>
+          <a:fillRef idx="1">
+            <a:schemeClr val="accent1"/>
+          </a:fillRef>
+          <a:effectRef idx="0">
+            <a:schemeClr val="accent1"/>
+          </a:effectRef>
+          <a:fontRef idx="minor">
+            <a:schemeClr val="lt1"/>
+          </a:fontRef>
+        </p:style>
+        <p:txBody>
+          <a:bodyPr rtlCol="0" anchor="ctr"/>
+          <a:lstStyle/>
+          <a:p>
+            <a:pPr algn="ctr"/>
+            <a:endParaRPr lang="en-US" dirty="0"/>
+          </a:p>
+        </p:txBody>
+      </p:sp>
+      <p:sp>
+        <p:nvSpPr>
+          <p:cNvPr id="18" name="Freeform: Shape 17">
+            <a:extLst>
+              <a:ext uri="{FF2B5EF4-FFF2-40B4-BE49-F238E27FC236}">
+                <a16:creationId xmlns:a16="http://schemas.microsoft.com/office/drawing/2014/main" id="{F8260ED5-17F7-4158-B241-D51DD4CF1B7E}"/>
+              </a:ext>
+              <a:ext uri="{C183D7F6-B498-43B3-948B-1728B52AA6E4}">
+                <adec:decorative xmlns:adec="http://schemas.microsoft.com/office/drawing/2017/decorative" val="1"/>
+              </a:ext>
+            </a:extLst>
+          </p:cNvPr>
+          <p:cNvSpPr>
+            <a:spLocks noGrp="1" noRot="1" noChangeAspect="1" noMove="1" noResize="1" noEditPoints="1" noAdjustHandles="1" noChangeArrowheads="1" noChangeShapeType="1" noTextEdit="1"/>
+          </p:cNvSpPr>
+          <p:nvPr>
+            <p:extLst>
+              <p:ext uri="{386F3935-93C4-4BCD-93E2-E3B085C9AB24}">
+                <p16:designElem xmlns:p16="http://schemas.microsoft.com/office/powerpoint/2015/main" val="1"/>
+              </p:ext>
+            </p:extLst>
+          </p:nvPr>
+        </p:nvSpPr>
+        <p:spPr>
+          <a:xfrm rot="6097846">
+            <a:off x="-747355" y="1201312"/>
+            <a:ext cx="4808302" cy="4088666"/>
+          </a:xfrm>
+          <a:custGeom>
+            <a:avLst/>
+            <a:gdLst>
+              <a:gd name="connsiteX0" fmla="*/ 48844 w 4808302"/>
+              <a:gd name="connsiteY0" fmla="*/ 2888671 h 4088666"/>
+              <a:gd name="connsiteX1" fmla="*/ 0 w 4808302"/>
+              <a:gd name="connsiteY1" fmla="*/ 2404151 h 4088666"/>
+              <a:gd name="connsiteX2" fmla="*/ 2404151 w 4808302"/>
+              <a:gd name="connsiteY2" fmla="*/ 0 h 4088666"/>
+              <a:gd name="connsiteX3" fmla="*/ 4808302 w 4808302"/>
+              <a:gd name="connsiteY3" fmla="*/ 2404151 h 4088666"/>
+              <a:gd name="connsiteX4" fmla="*/ 4700216 w 4808302"/>
+              <a:gd name="connsiteY4" fmla="*/ 3119072 h 4088666"/>
+              <a:gd name="connsiteX5" fmla="*/ 4643143 w 4808302"/>
+              <a:gd name="connsiteY5" fmla="*/ 3275009 h 4088666"/>
+              <a:gd name="connsiteX6" fmla="*/ 690093 w 4808302"/>
+              <a:gd name="connsiteY6" fmla="*/ 4088666 h 4088666"/>
+              <a:gd name="connsiteX7" fmla="*/ 548991 w 4808302"/>
+              <a:gd name="connsiteY7" fmla="*/ 3933414 h 4088666"/>
+              <a:gd name="connsiteX8" fmla="*/ 48844 w 4808302"/>
+              <a:gd name="connsiteY8" fmla="*/ 2888671 h 4088666"/>
+            </a:gdLst>
+            <a:ahLst/>
+            <a:cxnLst>
+              <a:cxn ang="0">
+                <a:pos x="connsiteX0" y="connsiteY0"/>
+              </a:cxn>
+              <a:cxn ang="0">
+                <a:pos x="connsiteX1" y="connsiteY1"/>
+              </a:cxn>
+              <a:cxn ang="0">
+                <a:pos x="connsiteX2" y="connsiteY2"/>
+              </a:cxn>
+              <a:cxn ang="0">
+                <a:pos x="connsiteX3" y="connsiteY3"/>
+              </a:cxn>
+              <a:cxn ang="0">
+                <a:pos x="connsiteX4" y="connsiteY4"/>
+              </a:cxn>
+              <a:cxn ang="0">
+                <a:pos x="connsiteX5" y="connsiteY5"/>
+              </a:cxn>
+              <a:cxn ang="0">
+                <a:pos x="connsiteX6" y="connsiteY6"/>
+              </a:cxn>
+              <a:cxn ang="0">
+                <a:pos x="connsiteX7" y="connsiteY7"/>
+              </a:cxn>
+              <a:cxn ang="0">
+                <a:pos x="connsiteX8" y="connsiteY8"/>
+              </a:cxn>
+            </a:cxnLst>
+            <a:rect l="l" t="t" r="r" b="b"/>
+            <a:pathLst>
+              <a:path w="4808302" h="4088666">
+                <a:moveTo>
+                  <a:pt x="48844" y="2888671"/>
+                </a:moveTo>
+                <a:cubicBezTo>
+                  <a:pt x="16818" y="2732167"/>
+                  <a:pt x="0" y="2570123"/>
+                  <a:pt x="0" y="2404151"/>
+                </a:cubicBezTo>
+                <a:cubicBezTo>
+                  <a:pt x="0" y="1076375"/>
+                  <a:pt x="1076375" y="0"/>
+                  <a:pt x="2404151" y="0"/>
+                </a:cubicBezTo>
+                <a:cubicBezTo>
+                  <a:pt x="3731927" y="0"/>
+                  <a:pt x="4808302" y="1076375"/>
+                  <a:pt x="4808302" y="2404151"/>
+                </a:cubicBezTo>
+                <a:cubicBezTo>
+                  <a:pt x="4808302" y="2653109"/>
+                  <a:pt x="4770461" y="2893229"/>
+                  <a:pt x="4700216" y="3119072"/>
+                </a:cubicBezTo>
+                <a:lnTo>
+                  <a:pt x="4643143" y="3275009"/>
+                </a:lnTo>
+                <a:lnTo>
+                  <a:pt x="690093" y="4088666"/>
+                </a:lnTo>
+                <a:lnTo>
+                  <a:pt x="548991" y="3933414"/>
+                </a:lnTo>
+                <a:cubicBezTo>
+                  <a:pt x="304015" y="3636572"/>
+                  <a:pt x="128908" y="3279932"/>
+                  <a:pt x="48844" y="2888671"/>
+                </a:cubicBezTo>
+                <a:close/>
+              </a:path>
+            </a:pathLst>
+          </a:custGeom>
+          <a:gradFill>
+            <a:gsLst>
+              <a:gs pos="39000">
+                <a:schemeClr val="accent1">
+                  <a:lumMod val="60000"/>
+                  <a:lumOff val="40000"/>
+                  <a:alpha val="0"/>
+                </a:schemeClr>
+              </a:gs>
+              <a:gs pos="100000">
+                <a:schemeClr val="accent1">
+                  <a:lumMod val="75000"/>
+                  <a:alpha val="26000"/>
+                </a:schemeClr>
+              </a:gs>
+            </a:gsLst>
+            <a:lin ang="18600000" scaled="0"/>
+          </a:gradFill>
+          <a:ln>
+            <a:noFill/>
+          </a:ln>
+        </p:spPr>
+        <p:style>
+          <a:lnRef idx="2">
+            <a:schemeClr val="accent1">
+              <a:shade val="50000"/>
+            </a:schemeClr>
+          </a:lnRef>
+          <a:fillRef idx="1">
+            <a:schemeClr val="accent1"/>
+          </a:fillRef>
+          <a:effectRef idx="0">
+            <a:schemeClr val="accent1"/>
+          </a:effectRef>
+          <a:fontRef idx="minor">
+            <a:schemeClr val="lt1"/>
+          </a:fontRef>
+        </p:style>
+        <p:txBody>
+          <a:bodyPr wrap="square" rtlCol="0" anchor="ctr">
+            <a:noAutofit/>
+          </a:bodyPr>
+          <a:lstStyle/>
+          <a:p>
+            <a:pPr algn="ctr"/>
+            <a:endParaRPr lang="en-US" dirty="0"/>
+          </a:p>
+        </p:txBody>
+      </p:sp>
+      <p:sp>
+        <p:nvSpPr>
+          <p:cNvPr id="2" name="Title 1">
+            <a:extLst>
+              <a:ext uri="{FF2B5EF4-FFF2-40B4-BE49-F238E27FC236}">
+                <a16:creationId xmlns:a16="http://schemas.microsoft.com/office/drawing/2014/main" id="{FF3751EA-20DB-9FE6-A1A4-AE74C7AF9BB7}"/>
+              </a:ext>
+            </a:extLst>
+          </p:cNvPr>
+          <p:cNvSpPr>
+            <a:spLocks noGrp="1"/>
+          </p:cNvSpPr>
+          <p:nvPr>
+            <p:ph type="title"/>
+          </p:nvPr>
+        </p:nvSpPr>
+        <p:spPr>
+          <a:xfrm>
+            <a:off x="660041" y="2767106"/>
+            <a:ext cx="2880828" cy="3071906"/>
+          </a:xfrm>
+        </p:spPr>
+        <p:txBody>
+          <a:bodyPr vert="horz" lIns="91440" tIns="45720" rIns="91440" bIns="45720" rtlCol="0" anchor="t">
+            <a:normAutofit fontScale="90000"/>
+          </a:bodyPr>
+          <a:lstStyle/>
+          <a:p>
+            <a:r>
+              <a:rPr lang="en-US" sz="4000" kern="1200" dirty="0">
+                <a:solidFill>
+                  <a:srgbClr val="FFFFFF"/>
+                </a:solidFill>
+                <a:latin typeface="+mj-lt"/>
+                <a:ea typeface="+mj-ea"/>
+                <a:cs typeface="+mj-cs"/>
+              </a:rPr>
+              <a:t>10 Best </a:t>
+            </a:r>
+            <a:r>
+              <a:rPr lang="en-US" sz="4000" dirty="0">
+                <a:solidFill>
+                  <a:srgbClr val="FFFFFF"/>
+                </a:solidFill>
+              </a:rPr>
+              <a:t>L</a:t>
+            </a:r>
+            <a:r>
+              <a:rPr lang="en-US" sz="4000" kern="1200" dirty="0">
+                <a:solidFill>
+                  <a:srgbClr val="FFFFFF"/>
+                </a:solidFill>
+                <a:latin typeface="+mj-lt"/>
+                <a:ea typeface="+mj-ea"/>
+                <a:cs typeface="+mj-cs"/>
+              </a:rPr>
+              <a:t>ocations to </a:t>
+            </a:r>
+            <a:br>
+              <a:rPr lang="en-US" sz="4000" kern="1200" dirty="0">
+                <a:solidFill>
+                  <a:srgbClr val="FFFFFF"/>
+                </a:solidFill>
+                <a:latin typeface="+mj-lt"/>
+                <a:ea typeface="+mj-ea"/>
+                <a:cs typeface="+mj-cs"/>
+              </a:rPr>
+            </a:br>
+            <a:r>
+              <a:rPr lang="en-US" sz="4000" kern="1200" dirty="0">
+                <a:solidFill>
+                  <a:srgbClr val="FFFFFF"/>
+                </a:solidFill>
+                <a:latin typeface="+mj-lt"/>
+                <a:ea typeface="+mj-ea"/>
+                <a:cs typeface="+mj-cs"/>
+              </a:rPr>
+              <a:t>Invest more funds in marketing.</a:t>
+            </a:r>
+            <a:br>
+              <a:rPr lang="en-US" sz="4000" kern="1200" dirty="0">
+                <a:solidFill>
+                  <a:srgbClr val="FFFFFF"/>
+                </a:solidFill>
+                <a:latin typeface="+mj-lt"/>
+                <a:ea typeface="+mj-ea"/>
+                <a:cs typeface="+mj-cs"/>
+              </a:rPr>
+            </a:br>
+            <a:endParaRPr lang="en-US" sz="4000" kern="1200" dirty="0">
+              <a:solidFill>
+                <a:srgbClr val="FFFFFF"/>
+              </a:solidFill>
+              <a:latin typeface="+mj-lt"/>
+              <a:ea typeface="+mj-ea"/>
+              <a:cs typeface="+mj-cs"/>
+            </a:endParaRPr>
+          </a:p>
+        </p:txBody>
+      </p:sp>
+      <p:pic>
+        <p:nvPicPr>
+          <p:cNvPr id="5" name="Content Placeholder 4" descr="Chart, line chart&#10;&#10;Description automatically generated">
+            <a:extLst>
+              <a:ext uri="{FF2B5EF4-FFF2-40B4-BE49-F238E27FC236}">
+                <a16:creationId xmlns:a16="http://schemas.microsoft.com/office/drawing/2014/main" id="{7BD0B04B-2FB3-980A-5871-0737E81D9309}"/>
+              </a:ext>
+            </a:extLst>
+          </p:cNvPr>
+          <p:cNvPicPr>
+            <a:picLocks noGrp="1" noChangeAspect="1"/>
+          </p:cNvPicPr>
+          <p:nvPr>
+            <p:ph idx="1"/>
+          </p:nvPr>
+        </p:nvPicPr>
+        <p:blipFill>
+          <a:blip r:embed="rId2"/>
+          <a:stretch>
+            <a:fillRect/>
+          </a:stretch>
+        </p:blipFill>
+        <p:spPr>
+          <a:xfrm>
+            <a:off x="4546877" y="467208"/>
+            <a:ext cx="7136849" cy="5923584"/>
+          </a:xfrm>
+          <a:prstGeom prst="rect">
+            <a:avLst/>
+          </a:prstGeom>
+        </p:spPr>
+      </p:pic>
+    </p:spTree>
+    <p:extLst>
+      <p:ext uri="{BB962C8B-B14F-4D97-AF65-F5344CB8AC3E}">
+        <p14:creationId xmlns:p14="http://schemas.microsoft.com/office/powerpoint/2010/main" val="3003168428"/>
       </p:ext>
     </p:extLst>
   </p:cSld>
